--- a/EECS767_05032016.pptx
+++ b/EECS767_05032016.pptx
@@ -5,7 +5,7 @@
     <p:sldMasterId id="2147483648" r:id="rId1"/>
   </p:sldMasterIdLst>
   <p:notesMasterIdLst>
-    <p:notesMasterId r:id="rId12"/>
+    <p:notesMasterId r:id="rId13"/>
   </p:notesMasterIdLst>
   <p:sldIdLst>
     <p:sldId id="261" r:id="rId2"/>
@@ -14,10 +14,11 @@
     <p:sldId id="264" r:id="rId5"/>
     <p:sldId id="271" r:id="rId6"/>
     <p:sldId id="270" r:id="rId7"/>
-    <p:sldId id="272" r:id="rId8"/>
-    <p:sldId id="266" r:id="rId9"/>
-    <p:sldId id="267" r:id="rId10"/>
-    <p:sldId id="268" r:id="rId11"/>
+    <p:sldId id="273" r:id="rId8"/>
+    <p:sldId id="272" r:id="rId9"/>
+    <p:sldId id="266" r:id="rId10"/>
+    <p:sldId id="267" r:id="rId11"/>
+    <p:sldId id="268" r:id="rId12"/>
   </p:sldIdLst>
   <p:sldSz cx="9144000" cy="6858000" type="screen4x3"/>
   <p:notesSz cx="6858000" cy="9144000"/>
@@ -148,7 +149,7 @@
   </p:defaultTextStyle>
   <p:extLst>
     <p:ext uri="{EFAFB233-063F-42B5-8137-9DF3F51BA10A}">
-      <p15:sldGuideLst xmlns:p15="http://schemas.microsoft.com/office/powerpoint/2012/main" xmlns="">
+      <p15:sldGuideLst xmlns:p15="http://schemas.microsoft.com/office/powerpoint/2012/main">
         <p15:guide id="1" orient="horz" pos="2160">
           <p15:clr>
             <a:srgbClr val="A4A3A4"/>
@@ -248,7 +249,7 @@
             <a:fld id="{E0C82491-46FC-4147-AB1C-C4129E607B0B}" type="datetimeFigureOut">
               <a:rPr lang="zh-CN" altLang="en-US" smtClean="0"/>
               <a:pPr/>
-              <a:t>5/2/16</a:t>
+              <a:t>16/5/3</a:t>
             </a:fld>
             <a:endParaRPr lang="zh-CN" altLang="en-US"/>
           </a:p>
@@ -788,6 +789,91 @@
     </p:spTree>
     <p:extLst>
       <p:ext uri="{BB962C8B-B14F-4D97-AF65-F5344CB8AC3E}">
+        <p14:creationId xmlns:p14="http://schemas.microsoft.com/office/powerpoint/2010/main" val="1917141282"/>
+      </p:ext>
+    </p:extLst>
+  </p:cSld>
+  <p:clrMapOvr>
+    <a:masterClrMapping/>
+  </p:clrMapOvr>
+</p:notes>
+</file>
+
+<file path=ppt/notesSlides/notesSlide3.xml><?xml version="1.0" encoding="utf-8"?>
+<p:notes xmlns:a="http://schemas.openxmlformats.org/drawingml/2006/main" xmlns:r="http://schemas.openxmlformats.org/officeDocument/2006/relationships" xmlns:p="http://schemas.openxmlformats.org/presentationml/2006/main">
+  <p:cSld>
+    <p:spTree>
+      <p:nvGrpSpPr>
+        <p:cNvPr id="1" name=""/>
+        <p:cNvGrpSpPr/>
+        <p:nvPr/>
+      </p:nvGrpSpPr>
+      <p:grpSpPr>
+        <a:xfrm>
+          <a:off x="0" y="0"/>
+          <a:ext cx="0" cy="0"/>
+          <a:chOff x="0" y="0"/>
+          <a:chExt cx="0" cy="0"/>
+        </a:xfrm>
+      </p:grpSpPr>
+      <p:sp>
+        <p:nvSpPr>
+          <p:cNvPr id="2" name="幻灯片图像占位符 1"/>
+          <p:cNvSpPr>
+            <a:spLocks noGrp="1" noRot="1" noChangeAspect="1"/>
+          </p:cNvSpPr>
+          <p:nvPr>
+            <p:ph type="sldImg"/>
+          </p:nvPr>
+        </p:nvSpPr>
+        <p:spPr/>
+      </p:sp>
+      <p:sp>
+        <p:nvSpPr>
+          <p:cNvPr id="3" name="备注占位符 2"/>
+          <p:cNvSpPr>
+            <a:spLocks noGrp="1"/>
+          </p:cNvSpPr>
+          <p:nvPr>
+            <p:ph type="body" idx="1"/>
+          </p:nvPr>
+        </p:nvSpPr>
+        <p:spPr/>
+        <p:txBody>
+          <a:bodyPr/>
+          <a:lstStyle/>
+          <a:p>
+            <a:endParaRPr kumimoji="1" lang="zh-CN" altLang="en-US" dirty="0"/>
+          </a:p>
+        </p:txBody>
+      </p:sp>
+      <p:sp>
+        <p:nvSpPr>
+          <p:cNvPr id="4" name="幻灯片编号占位符 3"/>
+          <p:cNvSpPr>
+            <a:spLocks noGrp="1"/>
+          </p:cNvSpPr>
+          <p:nvPr>
+            <p:ph type="sldNum" sz="quarter" idx="10"/>
+          </p:nvPr>
+        </p:nvSpPr>
+        <p:spPr/>
+        <p:txBody>
+          <a:bodyPr/>
+          <a:lstStyle/>
+          <a:p>
+            <a:fld id="{63887451-92CC-4E1A-8A68-AE0428D8FFA5}" type="slidenum">
+              <a:rPr lang="zh-CN" altLang="en-US" smtClean="0"/>
+              <a:pPr/>
+              <a:t>8</a:t>
+            </a:fld>
+            <a:endParaRPr lang="zh-CN" altLang="en-US"/>
+          </a:p>
+        </p:txBody>
+      </p:sp>
+    </p:spTree>
+    <p:extLst>
+      <p:ext uri="{BB962C8B-B14F-4D97-AF65-F5344CB8AC3E}">
         <p14:creationId xmlns:p14="http://schemas.microsoft.com/office/powerpoint/2010/main" val="3966575687"/>
       </p:ext>
     </p:extLst>
@@ -984,7 +1070,7 @@
             <a:fld id="{2E5DA26C-6296-45F2-A41A-A004AE7AAA1B}" type="datetime1">
               <a:rPr lang="en-US" altLang="en-US" smtClean="0"/>
               <a:pPr/>
-              <a:t>5/2/16</a:t>
+              <a:t>5/3/16</a:t>
             </a:fld>
             <a:endParaRPr lang="en-US" altLang="en-US"/>
           </a:p>
@@ -1171,7 +1257,7 @@
             <a:fld id="{0C6C7F31-3331-4EF5-A98A-6A2D6951A566}" type="datetime1">
               <a:rPr lang="en-US" altLang="en-US" smtClean="0"/>
               <a:pPr/>
-              <a:t>5/2/16</a:t>
+              <a:t>5/3/16</a:t>
             </a:fld>
             <a:endParaRPr lang="en-US" altLang="en-US"/>
           </a:p>
@@ -1368,7 +1454,7 @@
             <a:fld id="{7C9D5D9E-86F3-4132-ACE9-D3165718988E}" type="datetime1">
               <a:rPr lang="en-US" altLang="en-US" smtClean="0"/>
               <a:pPr/>
-              <a:t>5/2/16</a:t>
+              <a:t>5/3/16</a:t>
             </a:fld>
             <a:endParaRPr lang="en-US" altLang="en-US"/>
           </a:p>
@@ -1555,7 +1641,7 @@
             <a:fld id="{AF17EE19-83F1-4D0B-9490-F1C09769603B}" type="datetime1">
               <a:rPr lang="en-US" altLang="en-US" smtClean="0"/>
               <a:pPr/>
-              <a:t>5/2/16</a:t>
+              <a:t>5/3/16</a:t>
             </a:fld>
             <a:endParaRPr lang="en-US" altLang="en-US"/>
           </a:p>
@@ -1818,7 +1904,7 @@
             <a:fld id="{A47DAE30-8349-4899-8CED-ACD368A56C08}" type="datetime1">
               <a:rPr lang="en-US" altLang="en-US" smtClean="0"/>
               <a:pPr/>
-              <a:t>5/2/16</a:t>
+              <a:t>5/3/16</a:t>
             </a:fld>
             <a:endParaRPr lang="en-US" altLang="en-US"/>
           </a:p>
@@ -2123,7 +2209,7 @@
             <a:fld id="{21B7FF74-EA04-4E3D-A856-EB70BCFF3C51}" type="datetime1">
               <a:rPr lang="en-US" altLang="en-US" smtClean="0"/>
               <a:pPr/>
-              <a:t>5/2/16</a:t>
+              <a:t>5/3/16</a:t>
             </a:fld>
             <a:endParaRPr lang="en-US" altLang="en-US"/>
           </a:p>
@@ -2562,7 +2648,7 @@
             <a:fld id="{0513B5E2-B6E8-41ED-B289-E945BEF46E2E}" type="datetime1">
               <a:rPr lang="en-US" altLang="en-US" smtClean="0"/>
               <a:pPr/>
-              <a:t>5/2/16</a:t>
+              <a:t>5/3/16</a:t>
             </a:fld>
             <a:endParaRPr lang="en-US" altLang="en-US"/>
           </a:p>
@@ -2697,7 +2783,7 @@
             <a:fld id="{7FB4DE3D-3717-416D-B3E9-F7C6684BA783}" type="datetime1">
               <a:rPr lang="en-US" altLang="en-US" smtClean="0"/>
               <a:pPr/>
-              <a:t>5/2/16</a:t>
+              <a:t>5/3/16</a:t>
             </a:fld>
             <a:endParaRPr lang="en-US" altLang="en-US"/>
           </a:p>
@@ -2809,7 +2895,7 @@
             <a:fld id="{09EA93CF-4A71-4FE3-9069-625B60A77BD7}" type="datetime1">
               <a:rPr lang="en-US" altLang="en-US" smtClean="0"/>
               <a:pPr/>
-              <a:t>5/2/16</a:t>
+              <a:t>5/3/16</a:t>
             </a:fld>
             <a:endParaRPr lang="en-US" altLang="en-US"/>
           </a:p>
@@ -3103,7 +3189,7 @@
             <a:fld id="{9D235A95-85F7-4689-9670-1D851BEB325F}" type="datetime1">
               <a:rPr lang="en-US" altLang="en-US" smtClean="0"/>
               <a:pPr/>
-              <a:t>5/2/16</a:t>
+              <a:t>5/3/16</a:t>
             </a:fld>
             <a:endParaRPr lang="en-US" altLang="en-US"/>
           </a:p>
@@ -3379,7 +3465,7 @@
             <a:fld id="{4620635C-ECE0-4F67-833D-EAA5CA3C2081}" type="datetime1">
               <a:rPr lang="en-US" altLang="en-US" smtClean="0"/>
               <a:pPr/>
-              <a:t>5/2/16</a:t>
+              <a:t>5/3/16</a:t>
             </a:fld>
             <a:endParaRPr lang="en-US" altLang="en-US"/>
           </a:p>
@@ -3501,14 +3587,14 @@
           </a:ln>
           <a:extLst>
             <a:ext uri="{909E8E84-426E-40dd-AFC4-6F175D3DCCD1}">
-              <a14:hiddenFill xmlns:a14="http://schemas.microsoft.com/office/drawing/2010/main">
+              <a14:hiddenFill xmlns:a14="http://schemas.microsoft.com/office/drawing/2010/main" xmlns="">
                 <a:solidFill>
                   <a:srgbClr val="FFFFFF"/>
                 </a:solidFill>
               </a14:hiddenFill>
             </a:ext>
             <a:ext uri="{91240B29-F687-4f45-9708-019B960494DF}">
-              <a14:hiddenLine xmlns:a14="http://schemas.microsoft.com/office/drawing/2010/main" w="9525">
+              <a14:hiddenLine xmlns:a14="http://schemas.microsoft.com/office/drawing/2010/main" xmlns="" w="9525">
                 <a:solidFill>
                   <a:srgbClr val="000000"/>
                 </a:solidFill>
@@ -3559,14 +3645,14 @@
           </a:ln>
           <a:extLst>
             <a:ext uri="{909E8E84-426E-40dd-AFC4-6F175D3DCCD1}">
-              <a14:hiddenFill xmlns:a14="http://schemas.microsoft.com/office/drawing/2010/main">
+              <a14:hiddenFill xmlns:a14="http://schemas.microsoft.com/office/drawing/2010/main" xmlns="">
                 <a:solidFill>
                   <a:srgbClr val="FFFFFF"/>
                 </a:solidFill>
               </a14:hiddenFill>
             </a:ext>
             <a:ext uri="{91240B29-F687-4f45-9708-019B960494DF}">
-              <a14:hiddenLine xmlns:a14="http://schemas.microsoft.com/office/drawing/2010/main" w="9525">
+              <a14:hiddenLine xmlns:a14="http://schemas.microsoft.com/office/drawing/2010/main" xmlns="" w="9525">
                 <a:solidFill>
                   <a:srgbClr val="000000"/>
                 </a:solidFill>
@@ -3660,7 +3746,7 @@
             <a:fld id="{60555A72-B638-4377-BE69-53818133E494}" type="datetime1">
               <a:rPr lang="en-US" altLang="en-US" smtClean="0"/>
               <a:pPr/>
-              <a:t>5/2/16</a:t>
+              <a:t>5/3/16</a:t>
             </a:fld>
             <a:endParaRPr lang="en-US" altLang="en-US"/>
           </a:p>
@@ -4214,14 +4300,14 @@
           </a:ln>
           <a:extLst>
             <a:ext uri="{909E8E84-426E-40dd-AFC4-6F175D3DCCD1}">
-              <a14:hiddenFill xmlns:a14="http://schemas.microsoft.com/office/drawing/2010/main">
+              <a14:hiddenFill xmlns:a14="http://schemas.microsoft.com/office/drawing/2010/main" xmlns="">
                 <a:solidFill>
                   <a:srgbClr val="FFFFFF"/>
                 </a:solidFill>
               </a14:hiddenFill>
             </a:ext>
             <a:ext uri="{91240B29-F687-4f45-9708-019B960494DF}">
-              <a14:hiddenLine xmlns:a14="http://schemas.microsoft.com/office/drawing/2010/main" w="9525">
+              <a14:hiddenLine xmlns:a14="http://schemas.microsoft.com/office/drawing/2010/main" xmlns="" w="9525">
                 <a:solidFill>
                   <a:srgbClr val="000000"/>
                 </a:solidFill>
@@ -4415,14 +4501,14 @@
           </a:ln>
           <a:extLst>
             <a:ext uri="{909E8E84-426E-40dd-AFC4-6F175D3DCCD1}">
-              <a14:hiddenFill xmlns:a14="http://schemas.microsoft.com/office/drawing/2010/main">
+              <a14:hiddenFill xmlns:a14="http://schemas.microsoft.com/office/drawing/2010/main" xmlns="">
                 <a:solidFill>
                   <a:srgbClr val="FFFFFF"/>
                 </a:solidFill>
               </a14:hiddenFill>
             </a:ext>
             <a:ext uri="{91240B29-F687-4f45-9708-019B960494DF}">
-              <a14:hiddenLine xmlns:a14="http://schemas.microsoft.com/office/drawing/2010/main" w="9525">
+              <a14:hiddenLine xmlns:a14="http://schemas.microsoft.com/office/drawing/2010/main" xmlns="" w="9525">
                 <a:solidFill>
                   <a:srgbClr val="000000"/>
                 </a:solidFill>
@@ -4511,7 +4597,7 @@
   <p:timing>
     <p:tnLst>
       <p:par>
-        <p:cTn xmlns:p14="http://schemas.microsoft.com/office/powerpoint/2010/main" id="1" dur="indefinite" restart="never" nodeType="tmRoot"/>
+        <p:cTn id="1" dur="indefinite" restart="never" nodeType="tmRoot"/>
       </p:par>
     </p:tnLst>
   </p:timing>
@@ -4570,14 +4656,193 @@
           </a:ln>
           <a:extLst>
             <a:ext uri="{909E8E84-426E-40dd-AFC4-6F175D3DCCD1}">
-              <a14:hiddenFill xmlns:a14="http://schemas.microsoft.com/office/drawing/2010/main">
+              <a14:hiddenFill xmlns:a14="http://schemas.microsoft.com/office/drawing/2010/main" xmlns="">
                 <a:solidFill>
                   <a:srgbClr val="FFFFFF"/>
                 </a:solidFill>
               </a14:hiddenFill>
             </a:ext>
             <a:ext uri="{91240B29-F687-4f45-9708-019B960494DF}">
-              <a14:hiddenLine xmlns:a14="http://schemas.microsoft.com/office/drawing/2010/main" w="9525">
+              <a14:hiddenLine xmlns:a14="http://schemas.microsoft.com/office/drawing/2010/main" xmlns="" w="9525">
+                <a:solidFill>
+                  <a:srgbClr val="000000"/>
+                </a:solidFill>
+                <a:miter lim="800000"/>
+                <a:headEnd/>
+                <a:tailEnd/>
+              </a14:hiddenLine>
+            </a:ext>
+          </a:extLst>
+        </p:spPr>
+      </p:pic>
+      <p:sp>
+        <p:nvSpPr>
+          <p:cNvPr id="6" name="TextBox 5"/>
+          <p:cNvSpPr txBox="1"/>
+          <p:nvPr/>
+        </p:nvSpPr>
+        <p:spPr>
+          <a:xfrm>
+            <a:off x="84160" y="47053"/>
+            <a:ext cx="2305050" cy="461665"/>
+          </a:xfrm>
+          <a:prstGeom prst="rect">
+            <a:avLst/>
+          </a:prstGeom>
+          <a:noFill/>
+        </p:spPr>
+        <p:txBody>
+          <a:bodyPr wrap="square" rtlCol="0">
+            <a:spAutoFit/>
+          </a:bodyPr>
+          <a:lstStyle/>
+          <a:p>
+            <a:r>
+              <a:rPr lang="en-US" altLang="zh-CN" dirty="0"/>
+              <a:t>8</a:t>
+            </a:r>
+            <a:r>
+              <a:rPr lang="en-US" dirty="0" smtClean="0"/>
+              <a:t>. Demo</a:t>
+            </a:r>
+            <a:endParaRPr lang="en-US" dirty="0"/>
+          </a:p>
+        </p:txBody>
+      </p:sp>
+      <p:pic>
+        <p:nvPicPr>
+          <p:cNvPr id="8" name="Picture 7"/>
+          <p:cNvPicPr>
+            <a:picLocks noChangeAspect="1"/>
+          </p:cNvPicPr>
+          <p:nvPr/>
+        </p:nvPicPr>
+        <p:blipFill>
+          <a:blip r:embed="rId3">
+            <a:extLst>
+              <a:ext uri="{28A0092B-C50C-407E-A947-70E740481C1C}">
+                <a14:useLocalDpi xmlns:a14="http://schemas.microsoft.com/office/drawing/2010/main" val="0"/>
+              </a:ext>
+            </a:extLst>
+          </a:blip>
+          <a:stretch>
+            <a:fillRect/>
+          </a:stretch>
+        </p:blipFill>
+        <p:spPr>
+          <a:xfrm>
+            <a:off x="84160" y="686138"/>
+            <a:ext cx="8808858" cy="4186113"/>
+          </a:xfrm>
+          <a:prstGeom prst="rect">
+            <a:avLst/>
+          </a:prstGeom>
+        </p:spPr>
+      </p:pic>
+      <p:sp>
+        <p:nvSpPr>
+          <p:cNvPr id="7" name="灯片编号占位符 6"/>
+          <p:cNvSpPr>
+            <a:spLocks noGrp="1"/>
+          </p:cNvSpPr>
+          <p:nvPr>
+            <p:ph type="sldNum" sz="quarter" idx="12"/>
+          </p:nvPr>
+        </p:nvSpPr>
+        <p:spPr/>
+        <p:txBody>
+          <a:bodyPr/>
+          <a:lstStyle/>
+          <a:p>
+            <a:fld id="{F98C5824-29FD-4FC1-BF42-98732F32A1CC}" type="slidenum">
+              <a:rPr lang="en-US" altLang="en-US" smtClean="0"/>
+              <a:pPr/>
+              <a:t>10</a:t>
+            </a:fld>
+            <a:endParaRPr lang="en-US" altLang="en-US"/>
+          </a:p>
+        </p:txBody>
+      </p:sp>
+    </p:spTree>
+    <p:extLst>
+      <p:ext uri="{BB962C8B-B14F-4D97-AF65-F5344CB8AC3E}">
+        <p14:creationId xmlns:p14="http://schemas.microsoft.com/office/powerpoint/2010/main" val="35035203"/>
+      </p:ext>
+    </p:extLst>
+  </p:cSld>
+  <p:clrMapOvr>
+    <a:masterClrMapping/>
+  </p:clrMapOvr>
+  <p:timing>
+    <p:tnLst>
+      <p:par>
+        <p:cTn id="1" dur="indefinite" restart="never" nodeType="tmRoot"/>
+      </p:par>
+    </p:tnLst>
+  </p:timing>
+</p:sld>
+</file>
+
+<file path=ppt/slides/slide11.xml><?xml version="1.0" encoding="utf-8"?>
+<p:sld xmlns:a="http://schemas.openxmlformats.org/drawingml/2006/main" xmlns:r="http://schemas.openxmlformats.org/officeDocument/2006/relationships" xmlns:p="http://schemas.openxmlformats.org/presentationml/2006/main">
+  <p:cSld>
+    <p:spTree>
+      <p:nvGrpSpPr>
+        <p:cNvPr id="1" name=""/>
+        <p:cNvGrpSpPr/>
+        <p:nvPr/>
+      </p:nvGrpSpPr>
+      <p:grpSpPr>
+        <a:xfrm>
+          <a:off x="0" y="0"/>
+          <a:ext cx="0" cy="0"/>
+          <a:chOff x="0" y="0"/>
+          <a:chExt cx="0" cy="0"/>
+        </a:xfrm>
+      </p:grpSpPr>
+      <p:pic>
+        <p:nvPicPr>
+          <p:cNvPr id="5" name="Picture 6"/>
+          <p:cNvPicPr>
+            <a:picLocks noChangeAspect="1"/>
+          </p:cNvPicPr>
+          <p:nvPr/>
+        </p:nvPicPr>
+        <p:blipFill>
+          <a:blip r:embed="rId2">
+            <a:extLst>
+              <a:ext uri="{28A0092B-C50C-407E-A947-70E740481C1C}">
+                <a14:useLocalDpi xmlns:a14="http://schemas.microsoft.com/office/drawing/2010/main" val="0"/>
+              </a:ext>
+            </a:extLst>
+          </a:blip>
+          <a:srcRect/>
+          <a:stretch>
+            <a:fillRect/>
+          </a:stretch>
+        </p:blipFill>
+        <p:spPr bwMode="auto">
+          <a:xfrm>
+            <a:off x="0" y="6105525"/>
+            <a:ext cx="9153525" cy="762000"/>
+          </a:xfrm>
+          <a:prstGeom prst="rect">
+            <a:avLst/>
+          </a:prstGeom>
+          <a:noFill/>
+          <a:ln>
+            <a:noFill/>
+          </a:ln>
+          <a:extLst>
+            <a:ext uri="{909E8E84-426E-40dd-AFC4-6F175D3DCCD1}">
+              <a14:hiddenFill xmlns:a14="http://schemas.microsoft.com/office/drawing/2010/main" xmlns="">
+                <a:solidFill>
+                  <a:srgbClr val="FFFFFF"/>
+                </a:solidFill>
+              </a14:hiddenFill>
+            </a:ext>
+            <a:ext uri="{91240B29-F687-4f45-9708-019B960494DF}">
+              <a14:hiddenLine xmlns:a14="http://schemas.microsoft.com/office/drawing/2010/main" xmlns="" w="9525">
                 <a:solidFill>
                   <a:srgbClr val="000000"/>
                 </a:solidFill>
@@ -4612,6 +4877,14 @@
           <a:lstStyle/>
           <a:p>
             <a:r>
+              <a:rPr lang="en-US" altLang="zh-CN" dirty="0" smtClean="0"/>
+              <a:t>9.</a:t>
+            </a:r>
+            <a:r>
+              <a:rPr lang="zh-CN" altLang="en-US" dirty="0" smtClean="0"/>
+              <a:t> </a:t>
+            </a:r>
+            <a:r>
               <a:rPr lang="en-US" dirty="0" smtClean="0"/>
               <a:t>Q&amp;A</a:t>
             </a:r>
@@ -4637,9 +4910,48 @@
             <a:fld id="{F98C5824-29FD-4FC1-BF42-98732F32A1CC}" type="slidenum">
               <a:rPr lang="en-US" altLang="en-US" smtClean="0"/>
               <a:pPr/>
-              <a:t>10</a:t>
+              <a:t>11</a:t>
             </a:fld>
             <a:endParaRPr lang="en-US" altLang="en-US"/>
+          </a:p>
+        </p:txBody>
+      </p:sp>
+      <p:sp>
+        <p:nvSpPr>
+          <p:cNvPr id="2" name="TextBox 1"/>
+          <p:cNvSpPr txBox="1"/>
+          <p:nvPr/>
+        </p:nvSpPr>
+        <p:spPr>
+          <a:xfrm>
+            <a:off x="2053695" y="2550584"/>
+            <a:ext cx="5046133" cy="461665"/>
+          </a:xfrm>
+          <a:prstGeom prst="rect">
+            <a:avLst/>
+          </a:prstGeom>
+          <a:noFill/>
+        </p:spPr>
+        <p:txBody>
+          <a:bodyPr wrap="square" rtlCol="0">
+            <a:spAutoFit/>
+          </a:bodyPr>
+          <a:lstStyle/>
+          <a:p>
+            <a:pPr algn="ctr"/>
+            <a:r>
+              <a:rPr lang="en-US" altLang="zh-CN" dirty="0" smtClean="0"/>
+              <a:t>Thank</a:t>
+            </a:r>
+            <a:r>
+              <a:rPr lang="zh-CN" altLang="en-US" dirty="0" smtClean="0"/>
+              <a:t> </a:t>
+            </a:r>
+            <a:r>
+              <a:rPr lang="en-US" altLang="zh-CN" dirty="0" smtClean="0"/>
+              <a:t>you!</a:t>
+            </a:r>
+            <a:endParaRPr lang="en-US" dirty="0"/>
           </a:p>
         </p:txBody>
       </p:sp>
@@ -4656,7 +4968,7 @@
   <p:timing>
     <p:tnLst>
       <p:par>
-        <p:cTn xmlns:p14="http://schemas.microsoft.com/office/powerpoint/2010/main" id="1" dur="indefinite" restart="never" nodeType="tmRoot"/>
+        <p:cTn id="1" dur="indefinite" restart="never" nodeType="tmRoot"/>
       </p:par>
     </p:tnLst>
   </p:timing>
@@ -4715,14 +5027,14 @@
           </a:ln>
           <a:extLst>
             <a:ext uri="{909E8E84-426E-40dd-AFC4-6F175D3DCCD1}">
-              <a14:hiddenFill xmlns:a14="http://schemas.microsoft.com/office/drawing/2010/main">
+              <a14:hiddenFill xmlns:a14="http://schemas.microsoft.com/office/drawing/2010/main" xmlns="">
                 <a:solidFill>
                   <a:srgbClr val="FFFFFF"/>
                 </a:solidFill>
               </a14:hiddenFill>
             </a:ext>
             <a:ext uri="{91240B29-F687-4f45-9708-019B960494DF}">
-              <a14:hiddenLine xmlns:a14="http://schemas.microsoft.com/office/drawing/2010/main" w="9525">
+              <a14:hiddenLine xmlns:a14="http://schemas.microsoft.com/office/drawing/2010/main" xmlns="" w="9525">
                 <a:solidFill>
                   <a:srgbClr val="000000"/>
                 </a:solidFill>
@@ -4743,7 +5055,7 @@
         <p:spPr>
           <a:xfrm>
             <a:off x="152399" y="238125"/>
-            <a:ext cx="7572233" cy="3416320"/>
+            <a:ext cx="7572233" cy="4524315"/>
           </a:xfrm>
           <a:prstGeom prst="rect">
             <a:avLst/>
@@ -4758,8 +5070,16 @@
           <a:p>
             <a:r>
               <a:rPr lang="en-US" dirty="0" smtClean="0"/>
-              <a:t>Contents:</a:t>
-            </a:r>
+              <a:t>Contents</a:t>
+            </a:r>
+            <a:r>
+              <a:rPr lang="en-US" dirty="0" smtClean="0"/>
+              <a:t>:</a:t>
+            </a:r>
+            <a:endParaRPr lang="zh-CN" altLang="en-US" dirty="0" smtClean="0"/>
+          </a:p>
+          <a:p>
+            <a:endParaRPr lang="en-US" dirty="0" smtClean="0"/>
           </a:p>
           <a:p>
             <a:pPr marL="457200" indent="-457200">
@@ -4795,9 +5115,56 @@
               <a:buAutoNum type="arabicPeriod"/>
             </a:pPr>
             <a:r>
+              <a:rPr lang="en-US" altLang="zh-CN" dirty="0" smtClean="0"/>
+              <a:t>Inverted Index,</a:t>
+            </a:r>
+            <a:r>
+              <a:rPr lang="zh-CN" altLang="en-US" dirty="0" smtClean="0"/>
+              <a:t> </a:t>
+            </a:r>
+            <a:r>
               <a:rPr lang="en-US" dirty="0" smtClean="0"/>
-              <a:t>Boolean Model &amp; Vector Space Model</a:t>
-            </a:r>
+              <a:t>Boolean </a:t>
+            </a:r>
+            <a:r>
+              <a:rPr lang="en-US" dirty="0" smtClean="0"/>
+              <a:t>Model </a:t>
+            </a:r>
+            <a:r>
+              <a:rPr lang="en-US" altLang="zh-CN" dirty="0" smtClean="0"/>
+              <a:t>and</a:t>
+            </a:r>
+            <a:r>
+              <a:rPr lang="en-US" dirty="0" smtClean="0"/>
+              <a:t> </a:t>
+            </a:r>
+            <a:r>
+              <a:rPr lang="en-US" dirty="0" smtClean="0"/>
+              <a:t>Vector Space </a:t>
+            </a:r>
+            <a:r>
+              <a:rPr lang="en-US" dirty="0" smtClean="0"/>
+              <a:t>Model</a:t>
+            </a:r>
+            <a:endParaRPr lang="zh-CN" altLang="en-US" dirty="0" smtClean="0"/>
+          </a:p>
+          <a:p>
+            <a:pPr marL="457200" indent="-457200">
+              <a:buAutoNum type="arabicPeriod"/>
+            </a:pPr>
+            <a:r>
+              <a:rPr lang="en-US" altLang="zh-CN" dirty="0" smtClean="0"/>
+              <a:t>Words</a:t>
+            </a:r>
+            <a:r>
+              <a:rPr lang="zh-CN" altLang="en-US" dirty="0" smtClean="0"/>
+              <a:t> </a:t>
+            </a:r>
+            <a:r>
+              <a:rPr lang="en-US" altLang="zh-CN" dirty="0" err="1" smtClean="0"/>
+              <a:t>Locationing</a:t>
+            </a:r>
+            <a:endParaRPr lang="en-US" dirty="0" smtClean="0"/>
           </a:p>
           <a:p>
             <a:pPr marL="457200" indent="-457200">
@@ -4874,7 +5241,7 @@
   <p:timing>
     <p:tnLst>
       <p:par>
-        <p:cTn xmlns:p14="http://schemas.microsoft.com/office/powerpoint/2010/main" id="1" dur="indefinite" restart="never" nodeType="tmRoot"/>
+        <p:cTn id="1" dur="indefinite" restart="never" nodeType="tmRoot"/>
       </p:par>
     </p:tnLst>
   </p:timing>
@@ -4933,14 +5300,14 @@
           </a:ln>
           <a:extLst>
             <a:ext uri="{909E8E84-426E-40dd-AFC4-6F175D3DCCD1}">
-              <a14:hiddenFill xmlns:a14="http://schemas.microsoft.com/office/drawing/2010/main">
+              <a14:hiddenFill xmlns:a14="http://schemas.microsoft.com/office/drawing/2010/main" xmlns="">
                 <a:solidFill>
                   <a:srgbClr val="FFFFFF"/>
                 </a:solidFill>
               </a14:hiddenFill>
             </a:ext>
             <a:ext uri="{91240B29-F687-4f45-9708-019B960494DF}">
-              <a14:hiddenLine xmlns:a14="http://schemas.microsoft.com/office/drawing/2010/main" w="9525">
+              <a14:hiddenLine xmlns:a14="http://schemas.microsoft.com/office/drawing/2010/main" xmlns="" w="9525">
                 <a:solidFill>
                   <a:srgbClr val="000000"/>
                 </a:solidFill>
@@ -5006,13 +5373,50 @@
           <a:p>
             <a:r>
               <a:rPr lang="en-US" altLang="zh-CN" sz="1800" dirty="0" smtClean="0"/>
-              <a:t>1.1 Programming language: Python &amp; PHP</a:t>
-            </a:r>
-          </a:p>
-          <a:p>
-            <a:r>
-              <a:rPr lang="en-US" altLang="zh-CN" sz="1800" dirty="0" smtClean="0"/>
-              <a:t>1.2 The architecture of our search engine: three versions</a:t>
+              <a:t>1.1 Programming language: </a:t>
+            </a:r>
+            <a:r>
+              <a:rPr lang="en-US" altLang="zh-CN" sz="1800" dirty="0" smtClean="0"/>
+              <a:t>Python, PHP,</a:t>
+            </a:r>
+            <a:r>
+              <a:rPr lang="zh-CN" altLang="en-US" sz="1800" dirty="0" smtClean="0"/>
+              <a:t> </a:t>
+            </a:r>
+            <a:r>
+              <a:rPr lang="en-US" altLang="zh-CN" sz="1800" dirty="0" smtClean="0"/>
+              <a:t>HTML</a:t>
+            </a:r>
+            <a:r>
+              <a:rPr lang="zh-CN" altLang="en-US" sz="1800" dirty="0" smtClean="0"/>
+              <a:t> </a:t>
+            </a:r>
+            <a:r>
+              <a:rPr lang="en-US" altLang="zh-CN" sz="1800" dirty="0" smtClean="0"/>
+              <a:t>and</a:t>
+            </a:r>
+            <a:r>
+              <a:rPr lang="zh-CN" altLang="en-US" sz="1800" dirty="0" smtClean="0"/>
+              <a:t> </a:t>
+            </a:r>
+            <a:r>
+              <a:rPr lang="en-US" altLang="zh-CN" sz="1800" dirty="0" smtClean="0"/>
+              <a:t>CSS</a:t>
+            </a:r>
+            <a:endParaRPr lang="en-US" altLang="zh-CN" sz="1800" dirty="0" smtClean="0"/>
+          </a:p>
+          <a:p>
+            <a:r>
+              <a:rPr lang="en-US" altLang="zh-CN" sz="1800" dirty="0" smtClean="0"/>
+              <a:t>1.2 The architecture of our search </a:t>
+            </a:r>
+            <a:r>
+              <a:rPr lang="en-US" altLang="zh-CN" sz="1800" dirty="0" smtClean="0"/>
+              <a:t>engines: </a:t>
+            </a:r>
+            <a:r>
+              <a:rPr lang="en-US" altLang="zh-CN" sz="1800" dirty="0" smtClean="0"/>
+              <a:t>three versions</a:t>
             </a:r>
             <a:endParaRPr lang="zh-CN" altLang="en-US" sz="1800" dirty="0"/>
           </a:p>
@@ -5447,7 +5851,7 @@
   <p:timing>
     <p:tnLst>
       <p:par>
-        <p:cTn xmlns:p14="http://schemas.microsoft.com/office/powerpoint/2010/main" id="1" dur="indefinite" restart="never" nodeType="tmRoot">
+        <p:cTn id="1" dur="indefinite" restart="never" nodeType="tmRoot">
           <p:childTnLst>
             <p:seq concurrent="1" nextAc="seek">
               <p:cTn id="2" dur="indefinite" nodeType="mainSeq">
@@ -5703,14 +6107,14 @@
           </a:ln>
           <a:extLst>
             <a:ext uri="{909E8E84-426E-40dd-AFC4-6F175D3DCCD1}">
-              <a14:hiddenFill xmlns:a14="http://schemas.microsoft.com/office/drawing/2010/main">
+              <a14:hiddenFill xmlns:a14="http://schemas.microsoft.com/office/drawing/2010/main" xmlns="">
                 <a:solidFill>
                   <a:srgbClr val="FFFFFF"/>
                 </a:solidFill>
               </a14:hiddenFill>
             </a:ext>
             <a:ext uri="{91240B29-F687-4f45-9708-019B960494DF}">
-              <a14:hiddenLine xmlns:a14="http://schemas.microsoft.com/office/drawing/2010/main" w="9525">
+              <a14:hiddenLine xmlns:a14="http://schemas.microsoft.com/office/drawing/2010/main" xmlns="" w="9525">
                 <a:solidFill>
                   <a:srgbClr val="000000"/>
                 </a:solidFill>
@@ -5857,14 +6261,30 @@
           <a:lstStyle/>
           <a:p>
             <a:r>
-              <a:rPr lang="en-US" altLang="zh-CN" sz="1800" dirty="0" smtClean="0"/>
-              <a:t>3.1 seed = 'http://www.ku.edu‘, domain name: ku.edu</a:t>
-            </a:r>
-          </a:p>
-          <a:p>
-            <a:r>
-              <a:rPr lang="en-US" altLang="zh-CN" sz="1800" dirty="0" smtClean="0"/>
-              <a:t>3.2 page fetches and parses: </a:t>
+              <a:rPr lang="en-US" altLang="zh-CN" sz="1800" dirty="0"/>
+              <a:t>2</a:t>
+            </a:r>
+            <a:r>
+              <a:rPr lang="en-US" altLang="zh-CN" sz="1800" dirty="0" smtClean="0"/>
+              <a:t>.1 </a:t>
+            </a:r>
+            <a:r>
+              <a:rPr lang="en-US" altLang="zh-CN" sz="1800" dirty="0" smtClean="0"/>
+              <a:t>seed = 'http://www.ku.edu‘, domain name: ku.edu</a:t>
+            </a:r>
+          </a:p>
+          <a:p>
+            <a:r>
+              <a:rPr lang="en-US" altLang="zh-CN" sz="1800" dirty="0"/>
+              <a:t>2</a:t>
+            </a:r>
+            <a:r>
+              <a:rPr lang="en-US" altLang="zh-CN" sz="1800" dirty="0" smtClean="0"/>
+              <a:t>.2 </a:t>
+            </a:r>
+            <a:r>
+              <a:rPr lang="en-US" altLang="zh-CN" sz="1800" dirty="0" smtClean="0"/>
+              <a:t>page fetches and parses: </a:t>
             </a:r>
           </a:p>
           <a:p>
@@ -5937,8 +6357,16 @@
           </a:p>
           <a:p>
             <a:r>
-              <a:rPr lang="en-US" altLang="zh-CN" sz="1800" dirty="0" smtClean="0"/>
-              <a:t>3.3 Threaded spiders:</a:t>
+              <a:rPr lang="en-US" altLang="zh-CN" sz="1800" dirty="0"/>
+              <a:t>2</a:t>
+            </a:r>
+            <a:r>
+              <a:rPr lang="en-US" altLang="zh-CN" sz="1800" dirty="0" smtClean="0"/>
+              <a:t>.3 </a:t>
+            </a:r>
+            <a:r>
+              <a:rPr lang="en-US" altLang="zh-CN" sz="1800" dirty="0" smtClean="0"/>
+              <a:t>Threaded spiders:</a:t>
             </a:r>
           </a:p>
           <a:p>
@@ -6019,7 +6447,7 @@
   <p:timing>
     <p:tnLst>
       <p:par>
-        <p:cTn xmlns:p14="http://schemas.microsoft.com/office/powerpoint/2010/main" id="1" dur="indefinite" restart="never" nodeType="tmRoot"/>
+        <p:cTn id="1" dur="indefinite" restart="never" nodeType="tmRoot"/>
       </p:par>
     </p:tnLst>
   </p:timing>
@@ -6078,14 +6506,14 @@
           </a:ln>
           <a:extLst>
             <a:ext uri="{909E8E84-426E-40dd-AFC4-6F175D3DCCD1}">
-              <a14:hiddenFill xmlns:a14="http://schemas.microsoft.com/office/drawing/2010/main">
+              <a14:hiddenFill xmlns:a14="http://schemas.microsoft.com/office/drawing/2010/main" xmlns="">
                 <a:solidFill>
                   <a:srgbClr val="FFFFFF"/>
                 </a:solidFill>
               </a14:hiddenFill>
             </a:ext>
             <a:ext uri="{91240B29-F687-4f45-9708-019B960494DF}">
-              <a14:hiddenLine xmlns:a14="http://schemas.microsoft.com/office/drawing/2010/main" w="9525">
+              <a14:hiddenLine xmlns:a14="http://schemas.microsoft.com/office/drawing/2010/main" xmlns="" w="9525">
                 <a:solidFill>
                   <a:srgbClr val="000000"/>
                 </a:solidFill>
@@ -6157,8 +6585,12 @@
           <a:lstStyle/>
           <a:p>
             <a:r>
-              <a:rPr lang="en-US" altLang="zh-CN" sz="1800" dirty="0" smtClean="0"/>
-              <a:t>2.1 </a:t>
+              <a:rPr lang="en-US" altLang="zh-CN" sz="1800" dirty="0"/>
+              <a:t>3</a:t>
+            </a:r>
+            <a:r>
+              <a:rPr lang="en-US" altLang="zh-CN" sz="1800" dirty="0" smtClean="0"/>
+              <a:t>.1 </a:t>
             </a:r>
             <a:r>
               <a:rPr lang="en-US" altLang="zh-CN" sz="1800" b="1" dirty="0" smtClean="0"/>
@@ -6178,8 +6610,37 @@
           <a:p>
             <a:r>
               <a:rPr lang="en-US" altLang="zh-CN" sz="1800" dirty="0" smtClean="0"/>
-              <a:t>b). Excluding spaces and punctuations</a:t>
-            </a:r>
+              <a:t>b). Excluding </a:t>
+            </a:r>
+            <a:r>
+              <a:rPr lang="en-US" altLang="zh-CN" sz="1800" dirty="0" smtClean="0"/>
+              <a:t>punctuations</a:t>
+            </a:r>
+            <a:r>
+              <a:rPr lang="zh-CN" altLang="en-US" sz="1800" dirty="0" smtClean="0"/>
+              <a:t> </a:t>
+            </a:r>
+            <a:r>
+              <a:rPr lang="en-US" altLang="zh-CN" sz="1800" dirty="0" smtClean="0"/>
+              <a:t>and</a:t>
+            </a:r>
+            <a:r>
+              <a:rPr lang="zh-CN" altLang="en-US" sz="1800" dirty="0" smtClean="0"/>
+              <a:t> </a:t>
+            </a:r>
+            <a:r>
+              <a:rPr lang="en-US" altLang="zh-CN" sz="1800" dirty="0" smtClean="0"/>
+              <a:t>special</a:t>
+            </a:r>
+            <a:r>
+              <a:rPr lang="zh-CN" altLang="en-US" sz="1800" dirty="0" smtClean="0"/>
+              <a:t> </a:t>
+            </a:r>
+            <a:r>
+              <a:rPr lang="en-US" altLang="zh-CN" sz="1800" dirty="0" smtClean="0"/>
+              <a:t>characters</a:t>
+            </a:r>
+            <a:endParaRPr lang="en-US" altLang="zh-CN" sz="1800" dirty="0" smtClean="0"/>
           </a:p>
           <a:p>
             <a:r>
@@ -6190,7 +6651,39 @@
           <a:p>
             <a:r>
               <a:rPr lang="en-US" altLang="zh-CN" sz="1800" dirty="0" smtClean="0"/>
-              <a:t>d). Using NLTK package to remove stop list and do Porter stemming</a:t>
+              <a:t>d). Using NLTK package to remove </a:t>
+            </a:r>
+            <a:r>
+              <a:rPr lang="en-US" altLang="zh-CN" sz="1800" dirty="0" smtClean="0"/>
+              <a:t>words</a:t>
+            </a:r>
+            <a:r>
+              <a:rPr lang="zh-CN" altLang="en-US" sz="1800" dirty="0" smtClean="0"/>
+              <a:t> </a:t>
+            </a:r>
+            <a:r>
+              <a:rPr lang="en-US" altLang="zh-CN" sz="1800" dirty="0" smtClean="0"/>
+              <a:t>in</a:t>
+            </a:r>
+            <a:r>
+              <a:rPr lang="zh-CN" altLang="en-US" sz="1800" dirty="0" smtClean="0"/>
+              <a:t> </a:t>
+            </a:r>
+            <a:r>
+              <a:rPr lang="en-US" altLang="zh-CN" sz="1800" dirty="0" smtClean="0"/>
+              <a:t>a</a:t>
+            </a:r>
+            <a:r>
+              <a:rPr lang="zh-CN" altLang="en-US" sz="1800" dirty="0" smtClean="0"/>
+              <a:t> </a:t>
+            </a:r>
+            <a:r>
+              <a:rPr lang="en-US" altLang="zh-CN" sz="1800" dirty="0" smtClean="0"/>
+              <a:t>stop </a:t>
+            </a:r>
+            <a:r>
+              <a:rPr lang="en-US" altLang="zh-CN" sz="1800" dirty="0" smtClean="0"/>
+              <a:t>list and do Porter stemming</a:t>
             </a:r>
           </a:p>
           <a:p>
@@ -6198,8 +6691,12 @@
           </a:p>
           <a:p>
             <a:r>
-              <a:rPr lang="en-US" altLang="zh-CN" sz="1800" dirty="0" smtClean="0"/>
-              <a:t>2.2 </a:t>
+              <a:rPr lang="en-US" altLang="zh-CN" sz="1800" dirty="0"/>
+              <a:t>3</a:t>
+            </a:r>
+            <a:r>
+              <a:rPr lang="en-US" altLang="zh-CN" sz="1800" dirty="0" smtClean="0"/>
+              <a:t>.2 </a:t>
             </a:r>
             <a:r>
               <a:rPr lang="en-US" altLang="zh-CN" sz="1800" b="1" dirty="0" smtClean="0"/>
@@ -6208,9 +6705,38 @@
           </a:p>
           <a:p>
             <a:r>
-              <a:rPr lang="en-US" altLang="zh-CN" sz="1800" dirty="0" smtClean="0"/>
-              <a:t>Remove stop list and do Porter stemming</a:t>
-            </a:r>
+              <a:rPr lang="zh-CN" altLang="en-US" sz="1800" dirty="0" smtClean="0"/>
+              <a:t>	</a:t>
+            </a:r>
+            <a:r>
+              <a:rPr lang="en-US" altLang="zh-CN" sz="1800" dirty="0" smtClean="0"/>
+              <a:t>b)</a:t>
+            </a:r>
+            <a:r>
+              <a:rPr lang="zh-CN" altLang="en-US" sz="1800" dirty="0" smtClean="0"/>
+              <a:t> </a:t>
+            </a:r>
+            <a:r>
+              <a:rPr lang="en-US" altLang="zh-CN" sz="1800" dirty="0" smtClean="0"/>
+              <a:t>c)</a:t>
+            </a:r>
+            <a:r>
+              <a:rPr lang="zh-CN" altLang="en-US" sz="1800" dirty="0" smtClean="0"/>
+              <a:t> </a:t>
+            </a:r>
+            <a:r>
+              <a:rPr lang="en-US" altLang="zh-CN" sz="1800" dirty="0" smtClean="0"/>
+              <a:t>and</a:t>
+            </a:r>
+            <a:r>
+              <a:rPr lang="zh-CN" altLang="en-US" sz="1800" dirty="0" smtClean="0"/>
+              <a:t> </a:t>
+            </a:r>
+            <a:r>
+              <a:rPr lang="en-US" altLang="zh-CN" sz="1800" dirty="0" smtClean="0"/>
+              <a:t>d).</a:t>
+            </a:r>
+            <a:endParaRPr lang="en-US" altLang="zh-CN" sz="1800" dirty="0" smtClean="0"/>
           </a:p>
           <a:p>
             <a:endParaRPr lang="zh-CN" altLang="en-US" sz="1800" dirty="0"/>
@@ -6254,7 +6780,7 @@
   <p:timing>
     <p:tnLst>
       <p:par>
-        <p:cTn xmlns:p14="http://schemas.microsoft.com/office/powerpoint/2010/main" id="1" dur="indefinite" restart="never" nodeType="tmRoot">
+        <p:cTn id="1" dur="indefinite" restart="never" nodeType="tmRoot">
           <p:childTnLst>
             <p:seq concurrent="1" nextAc="seek">
               <p:cTn id="2" dur="indefinite" nodeType="mainSeq">
@@ -6613,14 +7139,14 @@
           </a:ln>
           <a:extLst>
             <a:ext uri="{909E8E84-426E-40dd-AFC4-6F175D3DCCD1}">
-              <a14:hiddenFill xmlns:a14="http://schemas.microsoft.com/office/drawing/2010/main">
+              <a14:hiddenFill xmlns:a14="http://schemas.microsoft.com/office/drawing/2010/main" xmlns="">
                 <a:solidFill>
                   <a:srgbClr val="FFFFFF"/>
                 </a:solidFill>
               </a14:hiddenFill>
             </a:ext>
             <a:ext uri="{91240B29-F687-4f45-9708-019B960494DF}">
-              <a14:hiddenLine xmlns:a14="http://schemas.microsoft.com/office/drawing/2010/main" w="9525">
+              <a14:hiddenLine xmlns:a14="http://schemas.microsoft.com/office/drawing/2010/main" xmlns="" w="9525">
                 <a:solidFill>
                   <a:srgbClr val="000000"/>
                 </a:solidFill>
@@ -6641,7 +7167,7 @@
         <p:spPr>
           <a:xfrm>
             <a:off x="70511" y="60701"/>
-            <a:ext cx="6726073" cy="461665"/>
+            <a:ext cx="8616289" cy="461665"/>
           </a:xfrm>
           <a:prstGeom prst="rect">
             <a:avLst/>
@@ -6660,7 +7186,39 @@
             </a:r>
             <a:r>
               <a:rPr lang="en-US" altLang="zh-CN" dirty="0" smtClean="0"/>
-              <a:t>Boolean Model &amp; Vector Space Model</a:t>
+              <a:t>Inverted</a:t>
+            </a:r>
+            <a:r>
+              <a:rPr lang="zh-CN" altLang="en-US" dirty="0" smtClean="0"/>
+              <a:t> </a:t>
+            </a:r>
+            <a:r>
+              <a:rPr lang="en-US" altLang="zh-CN" dirty="0" smtClean="0"/>
+              <a:t>Index</a:t>
+            </a:r>
+            <a:r>
+              <a:rPr lang="en-US" altLang="zh-CN" dirty="0" smtClean="0"/>
+              <a:t>,</a:t>
+            </a:r>
+            <a:r>
+              <a:rPr lang="zh-CN" altLang="en-US" dirty="0" smtClean="0"/>
+              <a:t> </a:t>
+            </a:r>
+            <a:r>
+              <a:rPr lang="en-US" altLang="zh-CN" dirty="0" smtClean="0"/>
+              <a:t>Boolean </a:t>
+            </a:r>
+            <a:r>
+              <a:rPr lang="en-US" altLang="zh-CN" dirty="0" smtClean="0"/>
+              <a:t>Model </a:t>
+            </a:r>
+            <a:r>
+              <a:rPr lang="en-US" altLang="zh-CN" dirty="0" smtClean="0"/>
+              <a:t>and </a:t>
+            </a:r>
+            <a:r>
+              <a:rPr lang="en-US" altLang="zh-CN" dirty="0" smtClean="0"/>
+              <a:t>Vector Space Model</a:t>
             </a:r>
             <a:endParaRPr lang="en-US" dirty="0"/>
           </a:p>
@@ -6689,19 +7247,120 @@
           <a:p>
             <a:r>
               <a:rPr lang="en-US" altLang="zh-CN" sz="1800" b="1" dirty="0" smtClean="0"/>
-              <a:t>4.1 Boolean model </a:t>
-            </a:r>
-          </a:p>
-          <a:p>
-            <a:r>
-              <a:rPr lang="en-US" altLang="zh-CN" sz="1800" dirty="0" smtClean="0"/>
-              <a:t>4.1.1 Build the inverted index: dictionary and posting lists</a:t>
-            </a:r>
-          </a:p>
-          <a:p>
-            <a:r>
-              <a:rPr lang="en-US" altLang="zh-CN" sz="1800" dirty="0" smtClean="0"/>
-              <a:t>4.1.2 It is used to select the candidate documents which contain at least one term in the query.</a:t>
+              <a:t>4.1 </a:t>
+            </a:r>
+            <a:r>
+              <a:rPr lang="en-US" altLang="zh-CN" sz="1800" b="1" dirty="0" smtClean="0"/>
+              <a:t>Inverted</a:t>
+            </a:r>
+            <a:r>
+              <a:rPr lang="zh-CN" altLang="en-US" sz="1800" b="1" dirty="0" smtClean="0"/>
+              <a:t> </a:t>
+            </a:r>
+            <a:r>
+              <a:rPr lang="en-US" altLang="zh-CN" sz="1800" b="1" dirty="0" smtClean="0"/>
+              <a:t>Index</a:t>
+            </a:r>
+            <a:r>
+              <a:rPr lang="zh-CN" altLang="en-US" sz="1800" b="1" dirty="0" smtClean="0"/>
+              <a:t> </a:t>
+            </a:r>
+            <a:r>
+              <a:rPr lang="en-US" altLang="zh-CN" sz="1800" b="1" dirty="0" smtClean="0"/>
+              <a:t>&amp;</a:t>
+            </a:r>
+            <a:r>
+              <a:rPr lang="zh-CN" altLang="en-US" sz="1800" b="1" dirty="0" smtClean="0"/>
+              <a:t> </a:t>
+            </a:r>
+            <a:r>
+              <a:rPr lang="en-US" altLang="zh-CN" sz="1800" b="1" dirty="0" smtClean="0"/>
+              <a:t>Boolean </a:t>
+            </a:r>
+            <a:r>
+              <a:rPr lang="en-US" altLang="zh-CN" sz="1800" b="1" dirty="0" smtClean="0"/>
+              <a:t>model </a:t>
+            </a:r>
+          </a:p>
+          <a:p>
+            <a:r>
+              <a:rPr lang="en-US" altLang="zh-CN" sz="1800" dirty="0" smtClean="0"/>
+              <a:t>4.1.1 Build the inverted index: </a:t>
+            </a:r>
+            <a:r>
+              <a:rPr lang="en-US" altLang="zh-CN" sz="1800" dirty="0" smtClean="0"/>
+              <a:t>DF</a:t>
+            </a:r>
+            <a:r>
+              <a:rPr lang="zh-CN" altLang="en-US" sz="1800" dirty="0" smtClean="0"/>
+              <a:t> </a:t>
+            </a:r>
+            <a:r>
+              <a:rPr lang="en-US" altLang="zh-CN" sz="1800" dirty="0" smtClean="0"/>
+              <a:t>dictionary </a:t>
+            </a:r>
+            <a:r>
+              <a:rPr lang="en-US" altLang="zh-CN" sz="1800" dirty="0" smtClean="0"/>
+              <a:t>and </a:t>
+            </a:r>
+            <a:r>
+              <a:rPr lang="en-US" altLang="zh-CN" sz="1800" dirty="0" smtClean="0"/>
+              <a:t>TF</a:t>
+            </a:r>
+            <a:r>
+              <a:rPr lang="zh-CN" altLang="en-US" sz="1800" dirty="0" smtClean="0"/>
+              <a:t> </a:t>
+            </a:r>
+            <a:r>
+              <a:rPr lang="en-US" altLang="zh-CN" sz="1800" dirty="0" smtClean="0"/>
+              <a:t>dictionary.</a:t>
+            </a:r>
+            <a:endParaRPr lang="en-US" altLang="zh-CN" sz="1800" dirty="0" smtClean="0"/>
+          </a:p>
+          <a:p>
+            <a:r>
+              <a:rPr lang="en-US" altLang="zh-CN" sz="1800" dirty="0" smtClean="0"/>
+              <a:t>4.1.2 </a:t>
+            </a:r>
+            <a:r>
+              <a:rPr lang="en-US" altLang="zh-CN" sz="1800" dirty="0" smtClean="0"/>
+              <a:t>Build</a:t>
+            </a:r>
+            <a:r>
+              <a:rPr lang="zh-CN" altLang="en-US" sz="1800" dirty="0" smtClean="0"/>
+              <a:t> </a:t>
+            </a:r>
+            <a:r>
+              <a:rPr lang="en-US" altLang="zh-CN" sz="1800" dirty="0" smtClean="0"/>
+              <a:t>a</a:t>
+            </a:r>
+            <a:r>
+              <a:rPr lang="zh-CN" altLang="en-US" sz="1800" dirty="0" smtClean="0"/>
+              <a:t> </a:t>
+            </a:r>
+            <a:r>
+              <a:rPr lang="en-US" altLang="zh-CN" sz="1800" dirty="0" smtClean="0"/>
+              <a:t>Boolean</a:t>
+            </a:r>
+            <a:r>
+              <a:rPr lang="zh-CN" altLang="en-US" sz="1800" dirty="0" smtClean="0"/>
+              <a:t> </a:t>
+            </a:r>
+            <a:r>
+              <a:rPr lang="en-US" altLang="zh-CN" sz="1800" dirty="0" smtClean="0"/>
+              <a:t>table</a:t>
+            </a:r>
+            <a:r>
+              <a:rPr lang="zh-CN" altLang="en-US" sz="1800" dirty="0" smtClean="0"/>
+              <a:t> </a:t>
+            </a:r>
+            <a:r>
+              <a:rPr lang="en-US" altLang="zh-CN" sz="1800" dirty="0" smtClean="0"/>
+              <a:t>which </a:t>
+            </a:r>
+            <a:r>
+              <a:rPr lang="en-US" altLang="zh-CN" sz="1800" dirty="0" smtClean="0"/>
+              <a:t>is used to select the candidate documents which contain at least one term in the query.</a:t>
             </a:r>
           </a:p>
           <a:p>
@@ -6716,8 +7375,77 @@
           <a:p>
             <a:r>
               <a:rPr lang="en-US" altLang="zh-CN" sz="1800" dirty="0" smtClean="0"/>
-              <a:t>4.2.1 Build the TF-IDF table</a:t>
-            </a:r>
+              <a:t>4.2.1 Build the TF-IDF </a:t>
+            </a:r>
+            <a:r>
+              <a:rPr lang="en-US" altLang="zh-CN" sz="1800" dirty="0" smtClean="0"/>
+              <a:t>table</a:t>
+            </a:r>
+            <a:r>
+              <a:rPr lang="zh-CN" altLang="en-US" sz="1800" dirty="0" smtClean="0"/>
+              <a:t> </a:t>
+            </a:r>
+            <a:r>
+              <a:rPr lang="en-US" altLang="zh-CN" sz="1800" dirty="0" smtClean="0"/>
+              <a:t>based</a:t>
+            </a:r>
+            <a:r>
+              <a:rPr lang="zh-CN" altLang="en-US" sz="1800" dirty="0" smtClean="0"/>
+              <a:t> </a:t>
+            </a:r>
+            <a:r>
+              <a:rPr lang="en-US" altLang="zh-CN" sz="1800" dirty="0" smtClean="0"/>
+              <a:t>on</a:t>
+            </a:r>
+            <a:r>
+              <a:rPr lang="zh-CN" altLang="en-US" sz="1800" dirty="0" smtClean="0"/>
+              <a:t> </a:t>
+            </a:r>
+            <a:r>
+              <a:rPr lang="en-US" altLang="zh-CN" sz="1800" dirty="0" smtClean="0"/>
+              <a:t>inverted</a:t>
+            </a:r>
+            <a:r>
+              <a:rPr lang="zh-CN" altLang="en-US" sz="1800" dirty="0" smtClean="0"/>
+              <a:t> </a:t>
+            </a:r>
+            <a:r>
+              <a:rPr lang="en-US" altLang="zh-CN" sz="1800" dirty="0" smtClean="0"/>
+              <a:t>index</a:t>
+            </a:r>
+            <a:r>
+              <a:rPr lang="zh-CN" altLang="en-US" sz="1800" dirty="0" smtClean="0"/>
+              <a:t> </a:t>
+            </a:r>
+            <a:r>
+              <a:rPr lang="en-US" altLang="zh-CN" sz="1800" dirty="0" smtClean="0"/>
+              <a:t>built</a:t>
+            </a:r>
+            <a:r>
+              <a:rPr lang="zh-CN" altLang="en-US" sz="1800" dirty="0" smtClean="0"/>
+              <a:t> </a:t>
+            </a:r>
+            <a:r>
+              <a:rPr lang="en-US" altLang="zh-CN" sz="1800" dirty="0" smtClean="0"/>
+              <a:t>in</a:t>
+            </a:r>
+            <a:r>
+              <a:rPr lang="zh-CN" altLang="en-US" sz="1800" dirty="0" smtClean="0"/>
+              <a:t> </a:t>
+            </a:r>
+            <a:r>
+              <a:rPr lang="en-US" altLang="zh-CN" sz="1800" dirty="0" smtClean="0"/>
+              <a:t>last</a:t>
+            </a:r>
+            <a:r>
+              <a:rPr lang="zh-CN" altLang="en-US" sz="1800" dirty="0" smtClean="0"/>
+              <a:t> </a:t>
+            </a:r>
+            <a:r>
+              <a:rPr lang="en-US" altLang="zh-CN" sz="1800" dirty="0" smtClean="0"/>
+              <a:t>step.</a:t>
+            </a:r>
+            <a:endParaRPr lang="en-US" altLang="zh-CN" sz="1800" dirty="0" smtClean="0"/>
           </a:p>
           <a:p>
             <a:r>
@@ -6943,7 +7671,7 @@
   <p:timing>
     <p:tnLst>
       <p:par>
-        <p:cTn xmlns:p14="http://schemas.microsoft.com/office/powerpoint/2010/main" id="1" dur="indefinite" restart="never" nodeType="tmRoot"/>
+        <p:cTn id="1" dur="indefinite" restart="never" nodeType="tmRoot"/>
       </p:par>
     </p:tnLst>
   </p:timing>
@@ -7002,14 +7730,14 @@
           </a:ln>
           <a:extLst>
             <a:ext uri="{909E8E84-426E-40dd-AFC4-6F175D3DCCD1}">
-              <a14:hiddenFill xmlns:a14="http://schemas.microsoft.com/office/drawing/2010/main">
+              <a14:hiddenFill xmlns:a14="http://schemas.microsoft.com/office/drawing/2010/main" xmlns="">
                 <a:solidFill>
                   <a:srgbClr val="FFFFFF"/>
                 </a:solidFill>
               </a14:hiddenFill>
             </a:ext>
             <a:ext uri="{91240B29-F687-4f45-9708-019B960494DF}">
-              <a14:hiddenLine xmlns:a14="http://schemas.microsoft.com/office/drawing/2010/main" w="9525">
+              <a14:hiddenLine xmlns:a14="http://schemas.microsoft.com/office/drawing/2010/main" xmlns="" w="9525">
                 <a:solidFill>
                   <a:srgbClr val="000000"/>
                 </a:solidFill>
@@ -7045,7 +7773,731 @@
           <a:p>
             <a:r>
               <a:rPr lang="en-US" dirty="0" smtClean="0"/>
-              <a:t>5. Term Proximity</a:t>
+              <a:t>5. </a:t>
+            </a:r>
+            <a:r>
+              <a:rPr lang="en-US" altLang="zh-CN" dirty="0" smtClean="0"/>
+              <a:t>Words</a:t>
+            </a:r>
+            <a:r>
+              <a:rPr lang="zh-CN" altLang="en-US" dirty="0" smtClean="0"/>
+              <a:t> </a:t>
+            </a:r>
+            <a:r>
+              <a:rPr lang="en-US" altLang="zh-CN" dirty="0" err="1" smtClean="0"/>
+              <a:t>Locationing</a:t>
+            </a:r>
+            <a:endParaRPr lang="en-US" dirty="0"/>
+          </a:p>
+        </p:txBody>
+      </p:sp>
+      <p:sp>
+        <p:nvSpPr>
+          <p:cNvPr id="4" name="矩形 3"/>
+          <p:cNvSpPr/>
+          <p:nvPr/>
+        </p:nvSpPr>
+        <p:spPr>
+          <a:xfrm>
+            <a:off x="84158" y="522366"/>
+            <a:ext cx="8841477" cy="5355312"/>
+          </a:xfrm>
+          <a:prstGeom prst="rect">
+            <a:avLst/>
+          </a:prstGeom>
+        </p:spPr>
+        <p:txBody>
+          <a:bodyPr wrap="square">
+            <a:spAutoFit/>
+          </a:bodyPr>
+          <a:lstStyle/>
+          <a:p>
+            <a:endParaRPr lang="en-US" altLang="zh-CN" sz="1800" dirty="0">
+              <a:solidFill>
+                <a:srgbClr val="FF0000"/>
+              </a:solidFill>
+            </a:endParaRPr>
+          </a:p>
+          <a:p>
+            <a:endParaRPr lang="en-US" altLang="zh-CN" sz="1800" dirty="0"/>
+          </a:p>
+          <a:p>
+            <a:r>
+              <a:rPr lang="en-US" altLang="zh-CN" sz="1800" dirty="0" smtClean="0"/>
+              <a:t>5.1 </a:t>
+            </a:r>
+            <a:r>
+              <a:rPr lang="en-US" altLang="zh-CN" sz="1800" dirty="0" smtClean="0"/>
+              <a:t>Words</a:t>
+            </a:r>
+            <a:r>
+              <a:rPr lang="zh-CN" altLang="en-US" sz="1800" dirty="0" smtClean="0"/>
+              <a:t> </a:t>
+            </a:r>
+            <a:r>
+              <a:rPr lang="en-US" altLang="zh-CN" sz="1800" dirty="0" err="1" smtClean="0"/>
+              <a:t>Locationing</a:t>
+            </a:r>
+            <a:r>
+              <a:rPr lang="zh-CN" altLang="en-US" sz="1800" dirty="0" smtClean="0"/>
+              <a:t> </a:t>
+            </a:r>
+            <a:r>
+              <a:rPr lang="en-US" altLang="zh-CN" sz="1800" dirty="0" smtClean="0"/>
+              <a:t>is</a:t>
+            </a:r>
+            <a:r>
+              <a:rPr lang="zh-CN" altLang="en-US" sz="1800" dirty="0" smtClean="0"/>
+              <a:t> </a:t>
+            </a:r>
+            <a:r>
+              <a:rPr lang="en-US" altLang="zh-CN" sz="1800" dirty="0" smtClean="0"/>
+              <a:t>done</a:t>
+            </a:r>
+            <a:r>
+              <a:rPr lang="zh-CN" altLang="en-US" sz="1800" dirty="0" smtClean="0"/>
+              <a:t> </a:t>
+            </a:r>
+            <a:r>
+              <a:rPr lang="en-US" altLang="zh-CN" sz="1800" dirty="0" smtClean="0"/>
+              <a:t>based</a:t>
+            </a:r>
+            <a:r>
+              <a:rPr lang="zh-CN" altLang="en-US" sz="1800" dirty="0" smtClean="0"/>
+              <a:t> </a:t>
+            </a:r>
+            <a:r>
+              <a:rPr lang="en-US" altLang="zh-CN" sz="1800" dirty="0" smtClean="0"/>
+              <a:t>on</a:t>
+            </a:r>
+            <a:r>
+              <a:rPr lang="zh-CN" altLang="en-US" sz="1800" dirty="0" smtClean="0"/>
+              <a:t> </a:t>
+            </a:r>
+            <a:r>
+              <a:rPr lang="en-US" altLang="zh-CN" sz="1800" dirty="0" smtClean="0"/>
+              <a:t>processed</a:t>
+            </a:r>
+            <a:r>
+              <a:rPr lang="zh-CN" altLang="en-US" sz="1800" dirty="0" smtClean="0"/>
+              <a:t> </a:t>
+            </a:r>
+            <a:r>
+              <a:rPr lang="en-US" altLang="zh-CN" sz="1800" dirty="0" smtClean="0"/>
+              <a:t>documents.</a:t>
+            </a:r>
+            <a:endParaRPr lang="zh-CN" altLang="en-US" sz="1800" dirty="0" smtClean="0"/>
+          </a:p>
+          <a:p>
+            <a:endParaRPr lang="zh-CN" altLang="en-US" sz="1800" dirty="0" smtClean="0"/>
+          </a:p>
+          <a:p>
+            <a:endParaRPr lang="zh-CN" altLang="en-US" sz="1800" dirty="0"/>
+          </a:p>
+          <a:p>
+            <a:endParaRPr lang="en-US" altLang="zh-CN" sz="1800" dirty="0"/>
+          </a:p>
+          <a:p>
+            <a:r>
+              <a:rPr lang="en-US" altLang="zh-CN" sz="1800" dirty="0" smtClean="0"/>
+              <a:t>5.2</a:t>
+            </a:r>
+            <a:r>
+              <a:rPr lang="zh-CN" altLang="en-US" sz="1800" dirty="0" smtClean="0"/>
+              <a:t> </a:t>
+            </a:r>
+            <a:r>
+              <a:rPr lang="en-US" altLang="zh-CN" sz="1800" dirty="0" smtClean="0"/>
+              <a:t>Only</a:t>
+            </a:r>
+            <a:r>
+              <a:rPr lang="zh-CN" altLang="en-US" sz="1800" dirty="0" smtClean="0"/>
+              <a:t> </a:t>
+            </a:r>
+            <a:r>
+              <a:rPr lang="en-US" altLang="zh-CN" sz="1800" dirty="0" smtClean="0"/>
+              <a:t>executed</a:t>
+            </a:r>
+            <a:r>
+              <a:rPr lang="zh-CN" altLang="en-US" sz="1800" dirty="0" smtClean="0"/>
+              <a:t> </a:t>
+            </a:r>
+            <a:r>
+              <a:rPr lang="en-US" altLang="zh-CN" sz="1800" dirty="0" smtClean="0"/>
+              <a:t>when</a:t>
+            </a:r>
+            <a:r>
+              <a:rPr lang="zh-CN" altLang="en-US" sz="1800" dirty="0"/>
+              <a:t> </a:t>
+            </a:r>
+            <a:r>
+              <a:rPr lang="en-US" altLang="zh-CN" sz="1800" dirty="0" smtClean="0"/>
+              <a:t>results</a:t>
+            </a:r>
+            <a:r>
+              <a:rPr lang="zh-CN" altLang="en-US" sz="1800" dirty="0" smtClean="0"/>
+              <a:t> </a:t>
+            </a:r>
+            <a:r>
+              <a:rPr lang="en-US" altLang="zh-CN" sz="1800" dirty="0" smtClean="0"/>
+              <a:t>are</a:t>
+            </a:r>
+            <a:r>
+              <a:rPr lang="zh-CN" altLang="en-US" sz="1800" dirty="0" smtClean="0"/>
+              <a:t> </a:t>
+            </a:r>
+            <a:r>
+              <a:rPr lang="en-US" altLang="zh-CN" sz="1800" dirty="0" smtClean="0"/>
+              <a:t>shown</a:t>
+            </a:r>
+            <a:r>
+              <a:rPr lang="zh-CN" altLang="en-US" sz="1800" dirty="0" smtClean="0"/>
+              <a:t> </a:t>
+            </a:r>
+            <a:r>
+              <a:rPr lang="en-US" altLang="zh-CN" sz="1800" dirty="0" smtClean="0"/>
+              <a:t>on</a:t>
+            </a:r>
+            <a:r>
+              <a:rPr lang="zh-CN" altLang="en-US" sz="1800" dirty="0" smtClean="0"/>
+              <a:t> </a:t>
+            </a:r>
+            <a:r>
+              <a:rPr lang="en-US" altLang="zh-CN" sz="1800" dirty="0" smtClean="0"/>
+              <a:t>the</a:t>
+            </a:r>
+            <a:r>
+              <a:rPr lang="zh-CN" altLang="en-US" sz="1800" dirty="0" smtClean="0"/>
+              <a:t> </a:t>
+            </a:r>
+            <a:r>
+              <a:rPr lang="en-US" altLang="zh-CN" sz="1800" dirty="0" smtClean="0"/>
+              <a:t>webpage.</a:t>
+            </a:r>
+            <a:r>
+              <a:rPr lang="zh-CN" altLang="en-US" sz="1800" dirty="0" smtClean="0"/>
+              <a:t> </a:t>
+            </a:r>
+            <a:endParaRPr lang="zh-CN" altLang="en-US" sz="1800" dirty="0"/>
+          </a:p>
+          <a:p>
+            <a:r>
+              <a:rPr lang="zh-CN" altLang="en-US" sz="1800" dirty="0" smtClean="0"/>
+              <a:t>		</a:t>
+            </a:r>
+            <a:r>
+              <a:rPr lang="en-US" altLang="zh-CN" sz="1800" dirty="0"/>
+              <a:t>	</a:t>
+            </a:r>
+          </a:p>
+          <a:p>
+            <a:r>
+              <a:rPr lang="zh-CN" altLang="en-US" sz="1800" dirty="0" smtClean="0"/>
+              <a:t>        </a:t>
+            </a:r>
+            <a:r>
+              <a:rPr lang="en-US" altLang="zh-CN" sz="1800" dirty="0" smtClean="0"/>
+              <a:t>5.2.1</a:t>
+            </a:r>
+            <a:r>
+              <a:rPr lang="zh-CN" altLang="en-US" sz="1800" dirty="0" smtClean="0"/>
+              <a:t> </a:t>
+            </a:r>
+            <a:r>
+              <a:rPr lang="en-US" altLang="zh-CN" sz="1800" dirty="0" smtClean="0"/>
+              <a:t>First,</a:t>
+            </a:r>
+            <a:r>
+              <a:rPr lang="zh-CN" altLang="en-US" sz="1800" dirty="0" smtClean="0"/>
+              <a:t> </a:t>
+            </a:r>
+            <a:r>
+              <a:rPr lang="en-US" altLang="zh-CN" sz="1800" dirty="0" smtClean="0"/>
+              <a:t>get</a:t>
+            </a:r>
+            <a:r>
+              <a:rPr lang="zh-CN" altLang="en-US" sz="1800" dirty="0" smtClean="0"/>
+              <a:t> </a:t>
+            </a:r>
+            <a:r>
+              <a:rPr lang="en-US" altLang="zh-CN" sz="1800" dirty="0" smtClean="0"/>
+              <a:t>all</a:t>
+            </a:r>
+            <a:r>
+              <a:rPr lang="zh-CN" altLang="en-US" sz="1800" dirty="0" smtClean="0"/>
+              <a:t> </a:t>
+            </a:r>
+            <a:r>
+              <a:rPr lang="en-US" altLang="zh-CN" sz="1800" dirty="0" smtClean="0"/>
+              <a:t>matches</a:t>
+            </a:r>
+            <a:r>
+              <a:rPr lang="zh-CN" altLang="en-US" sz="1800" dirty="0" smtClean="0"/>
+              <a:t> </a:t>
+            </a:r>
+            <a:r>
+              <a:rPr lang="en-US" altLang="zh-CN" sz="1800" dirty="0" smtClean="0"/>
+              <a:t>in</a:t>
+            </a:r>
+            <a:r>
+              <a:rPr lang="zh-CN" altLang="en-US" sz="1800" dirty="0" smtClean="0"/>
+              <a:t> </a:t>
+            </a:r>
+            <a:r>
+              <a:rPr lang="en-US" altLang="zh-CN" sz="1800" dirty="0" smtClean="0"/>
+              <a:t>each</a:t>
+            </a:r>
+            <a:r>
+              <a:rPr lang="zh-CN" altLang="en-US" sz="1800" dirty="0" smtClean="0"/>
+              <a:t> </a:t>
+            </a:r>
+            <a:r>
+              <a:rPr lang="en-US" altLang="zh-CN" sz="1800" dirty="0" smtClean="0"/>
+              <a:t>document.</a:t>
+            </a:r>
+            <a:endParaRPr lang="zh-CN" altLang="en-US" sz="1800" dirty="0" smtClean="0"/>
+          </a:p>
+          <a:p>
+            <a:endParaRPr lang="zh-CN" altLang="en-US" sz="1800" dirty="0" smtClean="0"/>
+          </a:p>
+          <a:p>
+            <a:r>
+              <a:rPr lang="zh-CN" altLang="en-US" sz="1800" dirty="0"/>
+              <a:t>	</a:t>
+            </a:r>
+            <a:r>
+              <a:rPr lang="zh-CN" altLang="en-US" sz="1800" dirty="0"/>
+              <a:t> </a:t>
+            </a:r>
+            <a:r>
+              <a:rPr lang="en-US" altLang="zh-CN" sz="1800" dirty="0" smtClean="0"/>
+              <a:t>5.2.2</a:t>
+            </a:r>
+            <a:r>
+              <a:rPr lang="zh-CN" altLang="en-US" sz="1800" dirty="0" smtClean="0"/>
+              <a:t> </a:t>
+            </a:r>
+            <a:r>
+              <a:rPr lang="en-US" altLang="zh-CN" sz="1800" dirty="0" smtClean="0"/>
+              <a:t>Second,</a:t>
+            </a:r>
+            <a:r>
+              <a:rPr lang="zh-CN" altLang="en-US" sz="1800" dirty="0" smtClean="0"/>
+              <a:t> </a:t>
+            </a:r>
+            <a:r>
+              <a:rPr lang="en-US" altLang="zh-CN" sz="1800" dirty="0" smtClean="0"/>
+              <a:t>calculate</a:t>
+            </a:r>
+            <a:r>
+              <a:rPr lang="zh-CN" altLang="en-US" sz="1800" dirty="0" smtClean="0"/>
+              <a:t> </a:t>
+            </a:r>
+            <a:r>
+              <a:rPr lang="en-US" altLang="zh-CN" sz="1800" dirty="0" smtClean="0"/>
+              <a:t>the</a:t>
+            </a:r>
+            <a:r>
+              <a:rPr lang="zh-CN" altLang="en-US" sz="1800" dirty="0" smtClean="0"/>
+              <a:t> </a:t>
+            </a:r>
+            <a:r>
+              <a:rPr lang="en-US" altLang="zh-CN" sz="1800" dirty="0" smtClean="0"/>
+              <a:t>midpoint</a:t>
+            </a:r>
+            <a:r>
+              <a:rPr lang="zh-CN" altLang="en-US" sz="1800" dirty="0" smtClean="0"/>
+              <a:t> </a:t>
+            </a:r>
+            <a:r>
+              <a:rPr lang="en-US" altLang="zh-CN" sz="1800" dirty="0" smtClean="0"/>
+              <a:t>for</a:t>
+            </a:r>
+            <a:r>
+              <a:rPr lang="zh-CN" altLang="en-US" sz="1800" dirty="0" smtClean="0"/>
+              <a:t> </a:t>
+            </a:r>
+            <a:r>
+              <a:rPr lang="en-US" altLang="zh-CN" sz="1800" dirty="0" smtClean="0"/>
+              <a:t>all</a:t>
+            </a:r>
+            <a:r>
+              <a:rPr lang="zh-CN" altLang="en-US" sz="1800" dirty="0" smtClean="0"/>
+              <a:t> </a:t>
+            </a:r>
+            <a:r>
+              <a:rPr lang="en-US" altLang="zh-CN" sz="1800" dirty="0" smtClean="0"/>
+              <a:t>matched</a:t>
+            </a:r>
+            <a:r>
+              <a:rPr lang="zh-CN" altLang="en-US" sz="1800" dirty="0" smtClean="0"/>
+              <a:t> </a:t>
+            </a:r>
+            <a:r>
+              <a:rPr lang="en-US" altLang="zh-CN" sz="1800" dirty="0" smtClean="0"/>
+              <a:t>index</a:t>
+            </a:r>
+            <a:r>
+              <a:rPr lang="zh-CN" altLang="en-US" sz="1800" dirty="0" smtClean="0"/>
+              <a:t> </a:t>
+            </a:r>
+            <a:r>
+              <a:rPr lang="en-US" altLang="zh-CN" sz="1800" dirty="0" smtClean="0"/>
+              <a:t>and</a:t>
+            </a:r>
+            <a:r>
+              <a:rPr lang="zh-CN" altLang="en-US" sz="1800" dirty="0" smtClean="0"/>
+              <a:t> </a:t>
+            </a:r>
+            <a:r>
+              <a:rPr lang="en-US" altLang="zh-CN" sz="1800" dirty="0" smtClean="0"/>
+              <a:t>show</a:t>
+            </a:r>
+            <a:r>
+              <a:rPr lang="zh-CN" altLang="en-US" sz="1800" dirty="0" smtClean="0"/>
+              <a:t> </a:t>
+            </a:r>
+            <a:r>
+              <a:rPr lang="en-US" altLang="zh-CN" sz="1800" dirty="0" smtClean="0"/>
+              <a:t>up</a:t>
+            </a:r>
+            <a:r>
+              <a:rPr lang="zh-CN" altLang="en-US" sz="1800" dirty="0" smtClean="0"/>
+              <a:t> </a:t>
+            </a:r>
+            <a:r>
+              <a:rPr lang="en-US" altLang="zh-CN" sz="1800" dirty="0" smtClean="0"/>
+              <a:t>to</a:t>
+            </a:r>
+            <a:r>
+              <a:rPr lang="zh-CN" altLang="en-US" sz="1800" dirty="0" smtClean="0"/>
+              <a:t> </a:t>
+            </a:r>
+            <a:r>
+              <a:rPr lang="en-US" altLang="zh-CN" sz="1800" dirty="0" smtClean="0"/>
+              <a:t>100</a:t>
+            </a:r>
+            <a:r>
+              <a:rPr lang="zh-CN" altLang="en-US" sz="1800" dirty="0" smtClean="0"/>
+              <a:t> 	</a:t>
+            </a:r>
+            <a:r>
+              <a:rPr lang="en-US" altLang="zh-CN" sz="1800" dirty="0" smtClean="0"/>
+              <a:t>words</a:t>
+            </a:r>
+            <a:r>
+              <a:rPr lang="zh-CN" altLang="en-US" sz="1800" dirty="0" smtClean="0"/>
+              <a:t> </a:t>
+            </a:r>
+            <a:r>
+              <a:rPr lang="en-US" altLang="zh-CN" sz="1800" dirty="0" smtClean="0"/>
+              <a:t>around</a:t>
+            </a:r>
+            <a:r>
+              <a:rPr lang="zh-CN" altLang="en-US" sz="1800" dirty="0" smtClean="0"/>
+              <a:t> </a:t>
+            </a:r>
+            <a:r>
+              <a:rPr lang="en-US" altLang="zh-CN" sz="1800" dirty="0" smtClean="0"/>
+              <a:t>the</a:t>
+            </a:r>
+            <a:r>
+              <a:rPr lang="zh-CN" altLang="en-US" sz="1800" dirty="0" smtClean="0"/>
+              <a:t> </a:t>
+            </a:r>
+            <a:r>
+              <a:rPr lang="en-US" altLang="zh-CN" sz="1800" dirty="0" smtClean="0"/>
+              <a:t>midpoint.</a:t>
+            </a:r>
+            <a:endParaRPr lang="zh-CN" altLang="en-US" sz="1800" dirty="0" smtClean="0"/>
+          </a:p>
+          <a:p>
+            <a:endParaRPr lang="en-US" altLang="zh-CN" sz="1800" dirty="0" smtClean="0"/>
+          </a:p>
+          <a:p>
+            <a:r>
+              <a:rPr lang="zh-CN" altLang="en-US" sz="1800" dirty="0" smtClean="0"/>
+              <a:t>	 </a:t>
+            </a:r>
+            <a:r>
+              <a:rPr lang="en-US" altLang="zh-CN" sz="1800" dirty="0" smtClean="0"/>
+              <a:t>5.2.3</a:t>
+            </a:r>
+            <a:r>
+              <a:rPr lang="zh-CN" altLang="en-US" sz="1800" dirty="0" smtClean="0"/>
+              <a:t> </a:t>
+            </a:r>
+            <a:r>
+              <a:rPr lang="en-US" altLang="zh-CN" sz="1800" dirty="0" smtClean="0"/>
+              <a:t>Third,</a:t>
+            </a:r>
+            <a:r>
+              <a:rPr lang="zh-CN" altLang="en-US" sz="1800" dirty="0" smtClean="0"/>
+              <a:t> </a:t>
+            </a:r>
+            <a:r>
+              <a:rPr lang="en-US" altLang="zh-CN" sz="1800" dirty="0" smtClean="0"/>
+              <a:t>use</a:t>
+            </a:r>
+            <a:r>
+              <a:rPr lang="zh-CN" altLang="en-US" sz="1800" dirty="0" smtClean="0"/>
+              <a:t> </a:t>
+            </a:r>
+            <a:r>
+              <a:rPr lang="en-US" altLang="zh-CN" sz="1800" dirty="0" smtClean="0"/>
+              <a:t>all</a:t>
+            </a:r>
+            <a:r>
+              <a:rPr lang="zh-CN" altLang="en-US" sz="1800" dirty="0" smtClean="0"/>
+              <a:t> </a:t>
+            </a:r>
+            <a:r>
+              <a:rPr lang="en-US" altLang="zh-CN" sz="1800" dirty="0" smtClean="0"/>
+              <a:t>matched</a:t>
+            </a:r>
+            <a:r>
+              <a:rPr lang="zh-CN" altLang="en-US" sz="1800" dirty="0" smtClean="0"/>
+              <a:t> </a:t>
+            </a:r>
+            <a:r>
+              <a:rPr lang="en-US" altLang="zh-CN" sz="1800" dirty="0" smtClean="0"/>
+              <a:t>index</a:t>
+            </a:r>
+            <a:r>
+              <a:rPr lang="zh-CN" altLang="en-US" sz="1800" dirty="0" smtClean="0"/>
+              <a:t> </a:t>
+            </a:r>
+            <a:r>
+              <a:rPr lang="en-US" altLang="zh-CN" sz="1800" dirty="0" smtClean="0"/>
+              <a:t>got</a:t>
+            </a:r>
+            <a:r>
+              <a:rPr lang="zh-CN" altLang="en-US" sz="1800" dirty="0" smtClean="0"/>
+              <a:t> </a:t>
+            </a:r>
+            <a:r>
+              <a:rPr lang="en-US" altLang="zh-CN" sz="1800" dirty="0" smtClean="0"/>
+              <a:t>in</a:t>
+            </a:r>
+            <a:r>
+              <a:rPr lang="zh-CN" altLang="en-US" sz="1800" dirty="0" smtClean="0"/>
+              <a:t> </a:t>
+            </a:r>
+            <a:r>
+              <a:rPr lang="en-US" altLang="zh-CN" sz="1800" dirty="0" smtClean="0"/>
+              <a:t>the</a:t>
+            </a:r>
+            <a:r>
+              <a:rPr lang="zh-CN" altLang="en-US" sz="1800" dirty="0" smtClean="0"/>
+              <a:t> </a:t>
+            </a:r>
+            <a:r>
+              <a:rPr lang="en-US" altLang="zh-CN" sz="1800" dirty="0" smtClean="0"/>
+              <a:t>first</a:t>
+            </a:r>
+            <a:r>
+              <a:rPr lang="zh-CN" altLang="en-US" sz="1800" dirty="0" smtClean="0"/>
+              <a:t> </a:t>
+            </a:r>
+            <a:r>
+              <a:rPr lang="en-US" altLang="zh-CN" sz="1800" dirty="0" smtClean="0"/>
+              <a:t>step</a:t>
+            </a:r>
+            <a:r>
+              <a:rPr lang="zh-CN" altLang="en-US" sz="1800" dirty="0" smtClean="0"/>
+              <a:t> </a:t>
+            </a:r>
+            <a:r>
+              <a:rPr lang="en-US" altLang="zh-CN" sz="1800" dirty="0" smtClean="0"/>
+              <a:t>to</a:t>
+            </a:r>
+            <a:r>
+              <a:rPr lang="zh-CN" altLang="en-US" sz="1800" dirty="0"/>
+              <a:t> </a:t>
+            </a:r>
+            <a:r>
+              <a:rPr lang="en-US" altLang="zh-CN" sz="1800" dirty="0" smtClean="0"/>
+              <a:t>do</a:t>
+            </a:r>
+            <a:r>
+              <a:rPr lang="zh-CN" altLang="en-US" sz="1800" dirty="0" smtClean="0"/>
+              <a:t> </a:t>
+            </a:r>
+            <a:r>
+              <a:rPr lang="en-US" altLang="zh-CN" sz="1800" dirty="0" smtClean="0"/>
+              <a:t>highlighting.</a:t>
+            </a:r>
+            <a:endParaRPr lang="en-US" altLang="zh-CN" sz="1800" dirty="0"/>
+          </a:p>
+          <a:p>
+            <a:endParaRPr lang="en-US" altLang="zh-CN" sz="1800" dirty="0"/>
+          </a:p>
+          <a:p>
+            <a:endParaRPr lang="en-US" altLang="zh-CN" sz="1800" dirty="0" smtClean="0"/>
+          </a:p>
+          <a:p>
+            <a:endParaRPr lang="en-US" altLang="zh-CN" sz="1800" dirty="0">
+              <a:solidFill>
+                <a:srgbClr val="FF0000"/>
+              </a:solidFill>
+            </a:endParaRPr>
+          </a:p>
+          <a:p>
+            <a:endParaRPr lang="en-US" altLang="zh-CN" sz="1800" dirty="0"/>
+          </a:p>
+          <a:p>
+            <a:endParaRPr lang="zh-CN" altLang="en-US" sz="1800" dirty="0"/>
+          </a:p>
+        </p:txBody>
+      </p:sp>
+      <p:sp>
+        <p:nvSpPr>
+          <p:cNvPr id="7" name="灯片编号占位符 6"/>
+          <p:cNvSpPr>
+            <a:spLocks noGrp="1"/>
+          </p:cNvSpPr>
+          <p:nvPr>
+            <p:ph type="sldNum" sz="quarter" idx="12"/>
+          </p:nvPr>
+        </p:nvSpPr>
+        <p:spPr/>
+        <p:txBody>
+          <a:bodyPr/>
+          <a:lstStyle/>
+          <a:p>
+            <a:fld id="{F98C5824-29FD-4FC1-BF42-98732F32A1CC}" type="slidenum">
+              <a:rPr lang="en-US" altLang="en-US" smtClean="0"/>
+              <a:pPr/>
+              <a:t>7</a:t>
+            </a:fld>
+            <a:endParaRPr lang="en-US" altLang="en-US"/>
+          </a:p>
+        </p:txBody>
+      </p:sp>
+    </p:spTree>
+    <p:extLst>
+      <p:ext uri="{BB962C8B-B14F-4D97-AF65-F5344CB8AC3E}">
+        <p14:creationId xmlns:p14="http://schemas.microsoft.com/office/powerpoint/2010/main" val="286325966"/>
+      </p:ext>
+    </p:extLst>
+  </p:cSld>
+  <p:clrMapOvr>
+    <a:masterClrMapping/>
+  </p:clrMapOvr>
+  <p:timing>
+    <p:tnLst>
+      <p:par>
+        <p:cTn id="1" dur="indefinite" restart="never" nodeType="tmRoot"/>
+      </p:par>
+    </p:tnLst>
+  </p:timing>
+</p:sld>
+</file>
+
+<file path=ppt/slides/slide8.xml><?xml version="1.0" encoding="utf-8"?>
+<p:sld xmlns:a="http://schemas.openxmlformats.org/drawingml/2006/main" xmlns:r="http://schemas.openxmlformats.org/officeDocument/2006/relationships" xmlns:p="http://schemas.openxmlformats.org/presentationml/2006/main">
+  <p:cSld>
+    <p:spTree>
+      <p:nvGrpSpPr>
+        <p:cNvPr id="1" name=""/>
+        <p:cNvGrpSpPr/>
+        <p:nvPr/>
+      </p:nvGrpSpPr>
+      <p:grpSpPr>
+        <a:xfrm>
+          <a:off x="0" y="0"/>
+          <a:ext cx="0" cy="0"/>
+          <a:chOff x="0" y="0"/>
+          <a:chExt cx="0" cy="0"/>
+        </a:xfrm>
+      </p:grpSpPr>
+      <p:pic>
+        <p:nvPicPr>
+          <p:cNvPr id="5" name="Picture 6"/>
+          <p:cNvPicPr>
+            <a:picLocks noChangeAspect="1"/>
+          </p:cNvPicPr>
+          <p:nvPr/>
+        </p:nvPicPr>
+        <p:blipFill>
+          <a:blip r:embed="rId3">
+            <a:extLst>
+              <a:ext uri="{28A0092B-C50C-407E-A947-70E740481C1C}">
+                <a14:useLocalDpi xmlns:a14="http://schemas.microsoft.com/office/drawing/2010/main" val="0"/>
+              </a:ext>
+            </a:extLst>
+          </a:blip>
+          <a:srcRect/>
+          <a:stretch>
+            <a:fillRect/>
+          </a:stretch>
+        </p:blipFill>
+        <p:spPr bwMode="auto">
+          <a:xfrm>
+            <a:off x="0" y="6105525"/>
+            <a:ext cx="9153525" cy="762000"/>
+          </a:xfrm>
+          <a:prstGeom prst="rect">
+            <a:avLst/>
+          </a:prstGeom>
+          <a:noFill/>
+          <a:ln>
+            <a:noFill/>
+          </a:ln>
+          <a:extLst>
+            <a:ext uri="{909E8E84-426E-40dd-AFC4-6F175D3DCCD1}">
+              <a14:hiddenFill xmlns:a14="http://schemas.microsoft.com/office/drawing/2010/main" xmlns="">
+                <a:solidFill>
+                  <a:srgbClr val="FFFFFF"/>
+                </a:solidFill>
+              </a14:hiddenFill>
+            </a:ext>
+            <a:ext uri="{91240B29-F687-4f45-9708-019B960494DF}">
+              <a14:hiddenLine xmlns:a14="http://schemas.microsoft.com/office/drawing/2010/main" xmlns="" w="9525">
+                <a:solidFill>
+                  <a:srgbClr val="000000"/>
+                </a:solidFill>
+                <a:miter lim="800000"/>
+                <a:headEnd/>
+                <a:tailEnd/>
+              </a14:hiddenLine>
+            </a:ext>
+          </a:extLst>
+        </p:spPr>
+      </p:pic>
+      <p:sp>
+        <p:nvSpPr>
+          <p:cNvPr id="6" name="TextBox 5"/>
+          <p:cNvSpPr txBox="1"/>
+          <p:nvPr/>
+        </p:nvSpPr>
+        <p:spPr>
+          <a:xfrm>
+            <a:off x="84159" y="60701"/>
+            <a:ext cx="3571875" cy="461665"/>
+          </a:xfrm>
+          <a:prstGeom prst="rect">
+            <a:avLst/>
+          </a:prstGeom>
+          <a:noFill/>
+        </p:spPr>
+        <p:txBody>
+          <a:bodyPr wrap="square" rtlCol="0">
+            <a:spAutoFit/>
+          </a:bodyPr>
+          <a:lstStyle/>
+          <a:p>
+            <a:r>
+              <a:rPr lang="en-US" altLang="zh-CN" dirty="0" smtClean="0"/>
+              <a:t>6</a:t>
+            </a:r>
+            <a:r>
+              <a:rPr lang="en-US" dirty="0" smtClean="0"/>
+              <a:t>. </a:t>
+            </a:r>
+            <a:r>
+              <a:rPr lang="en-US" dirty="0" smtClean="0"/>
+              <a:t>Term Proximity</a:t>
             </a:r>
             <a:endParaRPr lang="en-US" dirty="0"/>
           </a:p>
@@ -7084,7 +8536,7 @@
           <a:p>
             <a:r>
               <a:rPr lang="en-US" altLang="zh-CN" sz="1800" dirty="0" smtClean="0"/>
-              <a:t>5.1 </a:t>
+              <a:t>6.1 </a:t>
             </a:r>
             <a:r>
               <a:rPr lang="en-US" altLang="zh-CN" sz="1800" dirty="0"/>
@@ -7186,14 +8638,13 @@
           </a:p>
           <a:p>
             <a:r>
-              <a:rPr lang="en-US" altLang="zh-CN" sz="1800" smtClean="0"/>
-              <a:t>5.2 Smallest </a:t>
-            </a:r>
-            <a:r>
-              <a:rPr lang="en-US" altLang="zh-CN" sz="1800" dirty="0" smtClean="0"/>
-              <a:t>window algorithm </a:t>
-            </a:r>
-            <a:endParaRPr lang="en-US" altLang="zh-CN" sz="1800" dirty="0" smtClean="0"/>
+              <a:rPr lang="en-US" altLang="zh-CN" sz="1800" dirty="0" smtClean="0"/>
+              <a:t>6.2 </a:t>
+            </a:r>
+            <a:r>
+              <a:rPr lang="en-US" altLang="zh-CN" sz="1800" dirty="0" smtClean="0"/>
+              <a:t>Smallest window algorithm </a:t>
+            </a:r>
           </a:p>
           <a:p>
             <a:endParaRPr lang="en-US" altLang="zh-CN" sz="1800" dirty="0" smtClean="0">
@@ -7217,21 +8668,8 @@
                   <a:srgbClr val="000000"/>
                 </a:solidFill>
               </a:rPr>
-              <a:t>A window contains all terms in query and with minimum length </a:t>
-            </a:r>
-            <a:r>
-              <a:rPr lang="en-US" altLang="zh-CN" sz="1800" dirty="0" smtClean="0">
-                <a:solidFill>
-                  <a:srgbClr val="000000"/>
-                </a:solidFill>
-              </a:rPr>
-              <a:t> </a:t>
-            </a:r>
-            <a:endParaRPr lang="en-US" altLang="zh-CN" sz="1800" dirty="0" smtClean="0">
-              <a:solidFill>
-                <a:srgbClr val="000000"/>
-              </a:solidFill>
-            </a:endParaRPr>
+              <a:t>A window contains all terms in query and with minimum length  </a:t>
+            </a:r>
           </a:p>
           <a:p>
             <a:endParaRPr lang="en-US" altLang="zh-CN" sz="1800" dirty="0">
@@ -7588,7 +9026,7 @@
             <a:fld id="{F98C5824-29FD-4FC1-BF42-98732F32A1CC}" type="slidenum">
               <a:rPr lang="en-US" altLang="en-US" smtClean="0"/>
               <a:pPr/>
-              <a:t>7</a:t>
+              <a:t>8</a:t>
             </a:fld>
             <a:endParaRPr lang="en-US" altLang="en-US"/>
           </a:p>
@@ -7607,14 +9045,14 @@
   <p:timing>
     <p:tnLst>
       <p:par>
-        <p:cTn xmlns:p14="http://schemas.microsoft.com/office/powerpoint/2010/main" id="1" dur="indefinite" restart="never" nodeType="tmRoot"/>
+        <p:cTn id="1" dur="indefinite" restart="never" nodeType="tmRoot"/>
       </p:par>
     </p:tnLst>
   </p:timing>
 </p:sld>
 </file>
 
-<file path=ppt/slides/slide8.xml><?xml version="1.0" encoding="utf-8"?>
+<file path=ppt/slides/slide9.xml><?xml version="1.0" encoding="utf-8"?>
 <p:sld xmlns:a="http://schemas.openxmlformats.org/drawingml/2006/main" xmlns:r="http://schemas.openxmlformats.org/officeDocument/2006/relationships" xmlns:p="http://schemas.openxmlformats.org/presentationml/2006/main">
   <p:cSld>
     <p:spTree>
@@ -7666,14 +9104,14 @@
           </a:ln>
           <a:extLst>
             <a:ext uri="{909E8E84-426E-40dd-AFC4-6F175D3DCCD1}">
-              <a14:hiddenFill xmlns:a14="http://schemas.microsoft.com/office/drawing/2010/main">
+              <a14:hiddenFill xmlns:a14="http://schemas.microsoft.com/office/drawing/2010/main" xmlns="">
                 <a:solidFill>
                   <a:srgbClr val="FFFFFF"/>
                 </a:solidFill>
               </a14:hiddenFill>
             </a:ext>
             <a:ext uri="{91240B29-F687-4f45-9708-019B960494DF}">
-              <a14:hiddenLine xmlns:a14="http://schemas.microsoft.com/office/drawing/2010/main" w="9525">
+              <a14:hiddenLine xmlns:a14="http://schemas.microsoft.com/office/drawing/2010/main" xmlns="" w="9525">
                 <a:solidFill>
                   <a:srgbClr val="000000"/>
                 </a:solidFill>
@@ -7708,8 +9146,16 @@
           <a:lstStyle/>
           <a:p>
             <a:r>
+              <a:rPr lang="en-US" altLang="zh-CN" dirty="0" smtClean="0"/>
+              <a:t>7</a:t>
+            </a:r>
+            <a:r>
               <a:rPr lang="en-US" dirty="0" smtClean="0"/>
-              <a:t>6. Relevance Feedback</a:t>
+              <a:t>. </a:t>
+            </a:r>
+            <a:r>
+              <a:rPr lang="en-US" dirty="0" smtClean="0"/>
+              <a:t>Relevance Feedback</a:t>
             </a:r>
             <a:endParaRPr lang="en-US" dirty="0"/>
           </a:p>
@@ -7738,7 +9184,11 @@
           <a:p>
             <a:r>
               <a:rPr lang="en-US" altLang="zh-CN" sz="1800" dirty="0" smtClean="0"/>
-              <a:t>6.1 The </a:t>
+              <a:t>7.1 </a:t>
+            </a:r>
+            <a:r>
+              <a:rPr lang="en-US" altLang="zh-CN" sz="1800" dirty="0" smtClean="0"/>
+              <a:t>The </a:t>
             </a:r>
             <a:r>
               <a:rPr lang="en-US" altLang="zh-CN" sz="1800" dirty="0" err="1" smtClean="0"/>
@@ -7779,7 +9229,11 @@
           <a:p>
             <a:r>
               <a:rPr lang="en-US" altLang="zh-CN" sz="1800" dirty="0" smtClean="0"/>
-              <a:t>6.2 Search engine 3 is implemented by adding the relevance feedback</a:t>
+              <a:t>7.2 </a:t>
+            </a:r>
+            <a:r>
+              <a:rPr lang="en-US" altLang="zh-CN" sz="1800" dirty="0" smtClean="0"/>
+              <a:t>Search engine 3 is implemented by adding the relevance feedback</a:t>
             </a:r>
             <a:r>
               <a:rPr lang="zh-CN" altLang="en-US" sz="1800" dirty="0" smtClean="0"/>
@@ -7908,7 +9362,7 @@
             <a:fld id="{F98C5824-29FD-4FC1-BF42-98732F32A1CC}" type="slidenum">
               <a:rPr lang="en-US" altLang="en-US" smtClean="0"/>
               <a:pPr/>
-              <a:t>8</a:t>
+              <a:t>9</a:t>
             </a:fld>
             <a:endParaRPr lang="en-US" altLang="en-US"/>
           </a:p>
@@ -7927,182 +9381,7 @@
   <p:timing>
     <p:tnLst>
       <p:par>
-        <p:cTn xmlns:p14="http://schemas.microsoft.com/office/powerpoint/2010/main" id="1" dur="indefinite" restart="never" nodeType="tmRoot"/>
-      </p:par>
-    </p:tnLst>
-  </p:timing>
-</p:sld>
-</file>
-
-<file path=ppt/slides/slide9.xml><?xml version="1.0" encoding="utf-8"?>
-<p:sld xmlns:a="http://schemas.openxmlformats.org/drawingml/2006/main" xmlns:r="http://schemas.openxmlformats.org/officeDocument/2006/relationships" xmlns:p="http://schemas.openxmlformats.org/presentationml/2006/main">
-  <p:cSld>
-    <p:spTree>
-      <p:nvGrpSpPr>
-        <p:cNvPr id="1" name=""/>
-        <p:cNvGrpSpPr/>
-        <p:nvPr/>
-      </p:nvGrpSpPr>
-      <p:grpSpPr>
-        <a:xfrm>
-          <a:off x="0" y="0"/>
-          <a:ext cx="0" cy="0"/>
-          <a:chOff x="0" y="0"/>
-          <a:chExt cx="0" cy="0"/>
-        </a:xfrm>
-      </p:grpSpPr>
-      <p:pic>
-        <p:nvPicPr>
-          <p:cNvPr id="5" name="Picture 6"/>
-          <p:cNvPicPr>
-            <a:picLocks noChangeAspect="1"/>
-          </p:cNvPicPr>
-          <p:nvPr/>
-        </p:nvPicPr>
-        <p:blipFill>
-          <a:blip r:embed="rId2">
-            <a:extLst>
-              <a:ext uri="{28A0092B-C50C-407E-A947-70E740481C1C}">
-                <a14:useLocalDpi xmlns:a14="http://schemas.microsoft.com/office/drawing/2010/main" val="0"/>
-              </a:ext>
-            </a:extLst>
-          </a:blip>
-          <a:srcRect/>
-          <a:stretch>
-            <a:fillRect/>
-          </a:stretch>
-        </p:blipFill>
-        <p:spPr bwMode="auto">
-          <a:xfrm>
-            <a:off x="0" y="6105525"/>
-            <a:ext cx="9153525" cy="762000"/>
-          </a:xfrm>
-          <a:prstGeom prst="rect">
-            <a:avLst/>
-          </a:prstGeom>
-          <a:noFill/>
-          <a:ln>
-            <a:noFill/>
-          </a:ln>
-          <a:extLst>
-            <a:ext uri="{909E8E84-426E-40dd-AFC4-6F175D3DCCD1}">
-              <a14:hiddenFill xmlns:a14="http://schemas.microsoft.com/office/drawing/2010/main">
-                <a:solidFill>
-                  <a:srgbClr val="FFFFFF"/>
-                </a:solidFill>
-              </a14:hiddenFill>
-            </a:ext>
-            <a:ext uri="{91240B29-F687-4f45-9708-019B960494DF}">
-              <a14:hiddenLine xmlns:a14="http://schemas.microsoft.com/office/drawing/2010/main" w="9525">
-                <a:solidFill>
-                  <a:srgbClr val="000000"/>
-                </a:solidFill>
-                <a:miter lim="800000"/>
-                <a:headEnd/>
-                <a:tailEnd/>
-              </a14:hiddenLine>
-            </a:ext>
-          </a:extLst>
-        </p:spPr>
-      </p:pic>
-      <p:sp>
-        <p:nvSpPr>
-          <p:cNvPr id="6" name="TextBox 5"/>
-          <p:cNvSpPr txBox="1"/>
-          <p:nvPr/>
-        </p:nvSpPr>
-        <p:spPr>
-          <a:xfrm>
-            <a:off x="84160" y="47053"/>
-            <a:ext cx="2305050" cy="461665"/>
-          </a:xfrm>
-          <a:prstGeom prst="rect">
-            <a:avLst/>
-          </a:prstGeom>
-          <a:noFill/>
-        </p:spPr>
-        <p:txBody>
-          <a:bodyPr wrap="square" rtlCol="0">
-            <a:spAutoFit/>
-          </a:bodyPr>
-          <a:lstStyle/>
-          <a:p>
-            <a:r>
-              <a:rPr lang="en-US" dirty="0" smtClean="0"/>
-              <a:t>7. Demo Time</a:t>
-            </a:r>
-            <a:endParaRPr lang="en-US" dirty="0"/>
-          </a:p>
-        </p:txBody>
-      </p:sp>
-      <p:pic>
-        <p:nvPicPr>
-          <p:cNvPr id="8" name="Picture 7"/>
-          <p:cNvPicPr>
-            <a:picLocks noChangeAspect="1"/>
-          </p:cNvPicPr>
-          <p:nvPr/>
-        </p:nvPicPr>
-        <p:blipFill>
-          <a:blip r:embed="rId3">
-            <a:extLst>
-              <a:ext uri="{28A0092B-C50C-407E-A947-70E740481C1C}">
-                <a14:useLocalDpi xmlns:a14="http://schemas.microsoft.com/office/drawing/2010/main" val="0"/>
-              </a:ext>
-            </a:extLst>
-          </a:blip>
-          <a:stretch>
-            <a:fillRect/>
-          </a:stretch>
-        </p:blipFill>
-        <p:spPr>
-          <a:xfrm>
-            <a:off x="84160" y="686138"/>
-            <a:ext cx="8808858" cy="4186113"/>
-          </a:xfrm>
-          <a:prstGeom prst="rect">
-            <a:avLst/>
-          </a:prstGeom>
-        </p:spPr>
-      </p:pic>
-      <p:sp>
-        <p:nvSpPr>
-          <p:cNvPr id="7" name="灯片编号占位符 6"/>
-          <p:cNvSpPr>
-            <a:spLocks noGrp="1"/>
-          </p:cNvSpPr>
-          <p:nvPr>
-            <p:ph type="sldNum" sz="quarter" idx="12"/>
-          </p:nvPr>
-        </p:nvSpPr>
-        <p:spPr/>
-        <p:txBody>
-          <a:bodyPr/>
-          <a:lstStyle/>
-          <a:p>
-            <a:fld id="{F98C5824-29FD-4FC1-BF42-98732F32A1CC}" type="slidenum">
-              <a:rPr lang="en-US" altLang="en-US" smtClean="0"/>
-              <a:pPr/>
-              <a:t>9</a:t>
-            </a:fld>
-            <a:endParaRPr lang="en-US" altLang="en-US"/>
-          </a:p>
-        </p:txBody>
-      </p:sp>
-    </p:spTree>
-    <p:extLst>
-      <p:ext uri="{BB962C8B-B14F-4D97-AF65-F5344CB8AC3E}">
-        <p14:creationId xmlns:p14="http://schemas.microsoft.com/office/powerpoint/2010/main" val="35035203"/>
-      </p:ext>
-    </p:extLst>
-  </p:cSld>
-  <p:clrMapOvr>
-    <a:masterClrMapping/>
-  </p:clrMapOvr>
-  <p:timing>
-    <p:tnLst>
-      <p:par>
-        <p:cTn xmlns:p14="http://schemas.microsoft.com/office/powerpoint/2010/main" id="1" dur="indefinite" restart="never" nodeType="tmRoot"/>
+        <p:cTn id="1" dur="indefinite" restart="never" nodeType="tmRoot"/>
       </p:par>
     </p:tnLst>
   </p:timing>

--- a/EECS767_05032016.pptx
+++ b/EECS767_05032016.pptx
@@ -3587,14 +3587,14 @@
           </a:ln>
           <a:extLst>
             <a:ext uri="{909E8E84-426E-40dd-AFC4-6F175D3DCCD1}">
-              <a14:hiddenFill xmlns:a14="http://schemas.microsoft.com/office/drawing/2010/main" xmlns="">
+              <a14:hiddenFill xmlns="" xmlns:a14="http://schemas.microsoft.com/office/drawing/2010/main">
                 <a:solidFill>
                   <a:srgbClr val="FFFFFF"/>
                 </a:solidFill>
               </a14:hiddenFill>
             </a:ext>
             <a:ext uri="{91240B29-F687-4f45-9708-019B960494DF}">
-              <a14:hiddenLine xmlns:a14="http://schemas.microsoft.com/office/drawing/2010/main" xmlns="" w="9525">
+              <a14:hiddenLine xmlns="" xmlns:a14="http://schemas.microsoft.com/office/drawing/2010/main" w="9525">
                 <a:solidFill>
                   <a:srgbClr val="000000"/>
                 </a:solidFill>
@@ -3645,14 +3645,14 @@
           </a:ln>
           <a:extLst>
             <a:ext uri="{909E8E84-426E-40dd-AFC4-6F175D3DCCD1}">
-              <a14:hiddenFill xmlns:a14="http://schemas.microsoft.com/office/drawing/2010/main" xmlns="">
+              <a14:hiddenFill xmlns="" xmlns:a14="http://schemas.microsoft.com/office/drawing/2010/main">
                 <a:solidFill>
                   <a:srgbClr val="FFFFFF"/>
                 </a:solidFill>
               </a14:hiddenFill>
             </a:ext>
             <a:ext uri="{91240B29-F687-4f45-9708-019B960494DF}">
-              <a14:hiddenLine xmlns:a14="http://schemas.microsoft.com/office/drawing/2010/main" xmlns="" w="9525">
+              <a14:hiddenLine xmlns="" xmlns:a14="http://schemas.microsoft.com/office/drawing/2010/main" w="9525">
                 <a:solidFill>
                   <a:srgbClr val="000000"/>
                 </a:solidFill>
@@ -4300,14 +4300,14 @@
           </a:ln>
           <a:extLst>
             <a:ext uri="{909E8E84-426E-40dd-AFC4-6F175D3DCCD1}">
-              <a14:hiddenFill xmlns:a14="http://schemas.microsoft.com/office/drawing/2010/main" xmlns="">
+              <a14:hiddenFill xmlns="" xmlns:a14="http://schemas.microsoft.com/office/drawing/2010/main">
                 <a:solidFill>
                   <a:srgbClr val="FFFFFF"/>
                 </a:solidFill>
               </a14:hiddenFill>
             </a:ext>
             <a:ext uri="{91240B29-F687-4f45-9708-019B960494DF}">
-              <a14:hiddenLine xmlns:a14="http://schemas.microsoft.com/office/drawing/2010/main" xmlns="" w="9525">
+              <a14:hiddenLine xmlns="" xmlns:a14="http://schemas.microsoft.com/office/drawing/2010/main" w="9525">
                 <a:solidFill>
                   <a:srgbClr val="000000"/>
                 </a:solidFill>
@@ -4501,14 +4501,14 @@
           </a:ln>
           <a:extLst>
             <a:ext uri="{909E8E84-426E-40dd-AFC4-6F175D3DCCD1}">
-              <a14:hiddenFill xmlns:a14="http://schemas.microsoft.com/office/drawing/2010/main" xmlns="">
+              <a14:hiddenFill xmlns="" xmlns:a14="http://schemas.microsoft.com/office/drawing/2010/main">
                 <a:solidFill>
                   <a:srgbClr val="FFFFFF"/>
                 </a:solidFill>
               </a14:hiddenFill>
             </a:ext>
             <a:ext uri="{91240B29-F687-4f45-9708-019B960494DF}">
-              <a14:hiddenLine xmlns:a14="http://schemas.microsoft.com/office/drawing/2010/main" xmlns="" w="9525">
+              <a14:hiddenLine xmlns="" xmlns:a14="http://schemas.microsoft.com/office/drawing/2010/main" w="9525">
                 <a:solidFill>
                   <a:srgbClr val="000000"/>
                 </a:solidFill>
@@ -4656,14 +4656,14 @@
           </a:ln>
           <a:extLst>
             <a:ext uri="{909E8E84-426E-40dd-AFC4-6F175D3DCCD1}">
-              <a14:hiddenFill xmlns:a14="http://schemas.microsoft.com/office/drawing/2010/main" xmlns="">
+              <a14:hiddenFill xmlns="" xmlns:a14="http://schemas.microsoft.com/office/drawing/2010/main">
                 <a:solidFill>
                   <a:srgbClr val="FFFFFF"/>
                 </a:solidFill>
               </a14:hiddenFill>
             </a:ext>
             <a:ext uri="{91240B29-F687-4f45-9708-019B960494DF}">
-              <a14:hiddenLine xmlns:a14="http://schemas.microsoft.com/office/drawing/2010/main" xmlns="" w="9525">
+              <a14:hiddenLine xmlns="" xmlns:a14="http://schemas.microsoft.com/office/drawing/2010/main" w="9525">
                 <a:solidFill>
                   <a:srgbClr val="000000"/>
                 </a:solidFill>
@@ -4835,14 +4835,14 @@
           </a:ln>
           <a:extLst>
             <a:ext uri="{909E8E84-426E-40dd-AFC4-6F175D3DCCD1}">
-              <a14:hiddenFill xmlns:a14="http://schemas.microsoft.com/office/drawing/2010/main" xmlns="">
+              <a14:hiddenFill xmlns="" xmlns:a14="http://schemas.microsoft.com/office/drawing/2010/main">
                 <a:solidFill>
                   <a:srgbClr val="FFFFFF"/>
                 </a:solidFill>
               </a14:hiddenFill>
             </a:ext>
             <a:ext uri="{91240B29-F687-4f45-9708-019B960494DF}">
-              <a14:hiddenLine xmlns:a14="http://schemas.microsoft.com/office/drawing/2010/main" xmlns="" w="9525">
+              <a14:hiddenLine xmlns="" xmlns:a14="http://schemas.microsoft.com/office/drawing/2010/main" w="9525">
                 <a:solidFill>
                   <a:srgbClr val="000000"/>
                 </a:solidFill>
@@ -5027,14 +5027,14 @@
           </a:ln>
           <a:extLst>
             <a:ext uri="{909E8E84-426E-40dd-AFC4-6F175D3DCCD1}">
-              <a14:hiddenFill xmlns:a14="http://schemas.microsoft.com/office/drawing/2010/main" xmlns="">
+              <a14:hiddenFill xmlns="" xmlns:a14="http://schemas.microsoft.com/office/drawing/2010/main">
                 <a:solidFill>
                   <a:srgbClr val="FFFFFF"/>
                 </a:solidFill>
               </a14:hiddenFill>
             </a:ext>
             <a:ext uri="{91240B29-F687-4f45-9708-019B960494DF}">
-              <a14:hiddenLine xmlns:a14="http://schemas.microsoft.com/office/drawing/2010/main" xmlns="" w="9525">
+              <a14:hiddenLine xmlns="" xmlns:a14="http://schemas.microsoft.com/office/drawing/2010/main" w="9525">
                 <a:solidFill>
                   <a:srgbClr val="000000"/>
                 </a:solidFill>
@@ -5070,11 +5070,7 @@
           <a:p>
             <a:r>
               <a:rPr lang="en-US" dirty="0" smtClean="0"/>
-              <a:t>Contents</a:t>
-            </a:r>
-            <a:r>
-              <a:rPr lang="en-US" dirty="0" smtClean="0"/>
-              <a:t>:</a:t>
+              <a:t>Contents:</a:t>
             </a:r>
             <a:endParaRPr lang="zh-CN" altLang="en-US" dirty="0" smtClean="0"/>
           </a:p>
@@ -5124,11 +5120,7 @@
             </a:r>
             <a:r>
               <a:rPr lang="en-US" dirty="0" smtClean="0"/>
-              <a:t>Boolean </a:t>
-            </a:r>
-            <a:r>
-              <a:rPr lang="en-US" dirty="0" smtClean="0"/>
-              <a:t>Model </a:t>
+              <a:t>Boolean Model </a:t>
             </a:r>
             <a:r>
               <a:rPr lang="en-US" altLang="zh-CN" dirty="0" smtClean="0"/>
@@ -5136,15 +5128,7 @@
             </a:r>
             <a:r>
               <a:rPr lang="en-US" dirty="0" smtClean="0"/>
-              <a:t> </a:t>
-            </a:r>
-            <a:r>
-              <a:rPr lang="en-US" dirty="0" smtClean="0"/>
-              <a:t>Vector Space </a:t>
-            </a:r>
-            <a:r>
-              <a:rPr lang="en-US" dirty="0" smtClean="0"/>
-              <a:t>Model</a:t>
+              <a:t> Vector Space Model</a:t>
             </a:r>
             <a:endParaRPr lang="zh-CN" altLang="en-US" dirty="0" smtClean="0"/>
           </a:p>
@@ -5300,14 +5284,14 @@
           </a:ln>
           <a:extLst>
             <a:ext uri="{909E8E84-426E-40dd-AFC4-6F175D3DCCD1}">
-              <a14:hiddenFill xmlns:a14="http://schemas.microsoft.com/office/drawing/2010/main" xmlns="">
+              <a14:hiddenFill xmlns="" xmlns:a14="http://schemas.microsoft.com/office/drawing/2010/main">
                 <a:solidFill>
                   <a:srgbClr val="FFFFFF"/>
                 </a:solidFill>
               </a14:hiddenFill>
             </a:ext>
             <a:ext uri="{91240B29-F687-4f45-9708-019B960494DF}">
-              <a14:hiddenLine xmlns:a14="http://schemas.microsoft.com/office/drawing/2010/main" xmlns="" w="9525">
+              <a14:hiddenLine xmlns="" xmlns:a14="http://schemas.microsoft.com/office/drawing/2010/main" w="9525">
                 <a:solidFill>
                   <a:srgbClr val="000000"/>
                 </a:solidFill>
@@ -5373,11 +5357,7 @@
           <a:p>
             <a:r>
               <a:rPr lang="en-US" altLang="zh-CN" sz="1800" dirty="0" smtClean="0"/>
-              <a:t>1.1 Programming language: </a:t>
-            </a:r>
-            <a:r>
-              <a:rPr lang="en-US" altLang="zh-CN" sz="1800" dirty="0" smtClean="0"/>
-              <a:t>Python, PHP,</a:t>
+              <a:t>1.1 Programming language: Python, PHP,</a:t>
             </a:r>
             <a:r>
               <a:rPr lang="zh-CN" altLang="en-US" sz="1800" dirty="0" smtClean="0"/>
@@ -5403,20 +5383,11 @@
               <a:rPr lang="en-US" altLang="zh-CN" sz="1800" dirty="0" smtClean="0"/>
               <a:t>CSS</a:t>
             </a:r>
-            <a:endParaRPr lang="en-US" altLang="zh-CN" sz="1800" dirty="0" smtClean="0"/>
-          </a:p>
-          <a:p>
-            <a:r>
-              <a:rPr lang="en-US" altLang="zh-CN" sz="1800" dirty="0" smtClean="0"/>
-              <a:t>1.2 The architecture of our search </a:t>
-            </a:r>
-            <a:r>
-              <a:rPr lang="en-US" altLang="zh-CN" sz="1800" dirty="0" smtClean="0"/>
-              <a:t>engines: </a:t>
-            </a:r>
-            <a:r>
-              <a:rPr lang="en-US" altLang="zh-CN" sz="1800" dirty="0" smtClean="0"/>
-              <a:t>three versions</a:t>
+          </a:p>
+          <a:p>
+            <a:r>
+              <a:rPr lang="en-US" altLang="zh-CN" sz="1800" dirty="0" smtClean="0"/>
+              <a:t>1.2 The architecture of our search engines: three versions</a:t>
             </a:r>
             <a:endParaRPr lang="zh-CN" altLang="en-US" sz="1800" dirty="0"/>
           </a:p>
@@ -6107,14 +6078,14 @@
           </a:ln>
           <a:extLst>
             <a:ext uri="{909E8E84-426E-40dd-AFC4-6F175D3DCCD1}">
-              <a14:hiddenFill xmlns:a14="http://schemas.microsoft.com/office/drawing/2010/main" xmlns="">
+              <a14:hiddenFill xmlns="" xmlns:a14="http://schemas.microsoft.com/office/drawing/2010/main">
                 <a:solidFill>
                   <a:srgbClr val="FFFFFF"/>
                 </a:solidFill>
               </a14:hiddenFill>
             </a:ext>
             <a:ext uri="{91240B29-F687-4f45-9708-019B960494DF}">
-              <a14:hiddenLine xmlns:a14="http://schemas.microsoft.com/office/drawing/2010/main" xmlns="" w="9525">
+              <a14:hiddenLine xmlns="" xmlns:a14="http://schemas.microsoft.com/office/drawing/2010/main" w="9525">
                 <a:solidFill>
                   <a:srgbClr val="000000"/>
                 </a:solidFill>
@@ -6266,11 +6237,7 @@
             </a:r>
             <a:r>
               <a:rPr lang="en-US" altLang="zh-CN" sz="1800" dirty="0" smtClean="0"/>
-              <a:t>.1 </a:t>
-            </a:r>
-            <a:r>
-              <a:rPr lang="en-US" altLang="zh-CN" sz="1800" dirty="0" smtClean="0"/>
-              <a:t>seed = 'http://www.ku.edu‘, domain name: ku.edu</a:t>
+              <a:t>.1 seed = 'http://www.ku.edu‘, domain name: ku.edu</a:t>
             </a:r>
           </a:p>
           <a:p>
@@ -6280,11 +6247,7 @@
             </a:r>
             <a:r>
               <a:rPr lang="en-US" altLang="zh-CN" sz="1800" dirty="0" smtClean="0"/>
-              <a:t>.2 </a:t>
-            </a:r>
-            <a:r>
-              <a:rPr lang="en-US" altLang="zh-CN" sz="1800" dirty="0" smtClean="0"/>
-              <a:t>page fetches and parses: </a:t>
+              <a:t>.2 page fetches and parses: </a:t>
             </a:r>
           </a:p>
           <a:p>
@@ -6362,11 +6325,7 @@
             </a:r>
             <a:r>
               <a:rPr lang="en-US" altLang="zh-CN" sz="1800" dirty="0" smtClean="0"/>
-              <a:t>.3 </a:t>
-            </a:r>
-            <a:r>
-              <a:rPr lang="en-US" altLang="zh-CN" sz="1800" dirty="0" smtClean="0"/>
-              <a:t>Threaded spiders:</a:t>
+              <a:t>.3 Threaded spiders:</a:t>
             </a:r>
           </a:p>
           <a:p>
@@ -6506,14 +6465,14 @@
           </a:ln>
           <a:extLst>
             <a:ext uri="{909E8E84-426E-40dd-AFC4-6F175D3DCCD1}">
-              <a14:hiddenFill xmlns:a14="http://schemas.microsoft.com/office/drawing/2010/main" xmlns="">
+              <a14:hiddenFill xmlns="" xmlns:a14="http://schemas.microsoft.com/office/drawing/2010/main">
                 <a:solidFill>
                   <a:srgbClr val="FFFFFF"/>
                 </a:solidFill>
               </a14:hiddenFill>
             </a:ext>
             <a:ext uri="{91240B29-F687-4f45-9708-019B960494DF}">
-              <a14:hiddenLine xmlns:a14="http://schemas.microsoft.com/office/drawing/2010/main" xmlns="" w="9525">
+              <a14:hiddenLine xmlns="" xmlns:a14="http://schemas.microsoft.com/office/drawing/2010/main" w="9525">
                 <a:solidFill>
                   <a:srgbClr val="000000"/>
                 </a:solidFill>
@@ -6594,12 +6553,21 @@
             </a:r>
             <a:r>
               <a:rPr lang="en-US" altLang="zh-CN" sz="1800" b="1" dirty="0" smtClean="0"/>
-              <a:t>Tokenization for each Document </a:t>
-            </a:r>
-            <a:r>
-              <a:rPr lang="en-US" altLang="zh-CN" sz="1800" dirty="0" smtClean="0"/>
-              <a:t>(provided 91 files and crawled 401 files):</a:t>
-            </a:r>
+              <a:t>Tokenization for </a:t>
+            </a:r>
+            <a:r>
+              <a:rPr lang="en-US" altLang="zh-CN" sz="1800" b="1" smtClean="0"/>
+              <a:t>each </a:t>
+            </a:r>
+            <a:r>
+              <a:rPr lang="en-US" altLang="zh-CN" sz="1800" b="1" smtClean="0"/>
+              <a:t>Document</a:t>
+            </a:r>
+            <a:r>
+              <a:rPr lang="en-US" altLang="zh-CN" sz="1800" smtClean="0"/>
+              <a:t>:</a:t>
+            </a:r>
+            <a:endParaRPr lang="en-US" altLang="zh-CN" sz="1800" dirty="0" smtClean="0"/>
           </a:p>
           <a:p>
             <a:r>
@@ -6610,11 +6578,7 @@
           <a:p>
             <a:r>
               <a:rPr lang="en-US" altLang="zh-CN" sz="1800" dirty="0" smtClean="0"/>
-              <a:t>b). Excluding </a:t>
-            </a:r>
-            <a:r>
-              <a:rPr lang="en-US" altLang="zh-CN" sz="1800" dirty="0" smtClean="0"/>
-              <a:t>punctuations</a:t>
+              <a:t>b). Excluding punctuations</a:t>
             </a:r>
             <a:r>
               <a:rPr lang="zh-CN" altLang="en-US" sz="1800" dirty="0" smtClean="0"/>
@@ -6640,7 +6604,6 @@
               <a:rPr lang="en-US" altLang="zh-CN" sz="1800" dirty="0" smtClean="0"/>
               <a:t>characters</a:t>
             </a:r>
-            <a:endParaRPr lang="en-US" altLang="zh-CN" sz="1800" dirty="0" smtClean="0"/>
           </a:p>
           <a:p>
             <a:r>
@@ -6651,11 +6614,7 @@
           <a:p>
             <a:r>
               <a:rPr lang="en-US" altLang="zh-CN" sz="1800" dirty="0" smtClean="0"/>
-              <a:t>d). Using NLTK package to remove </a:t>
-            </a:r>
-            <a:r>
-              <a:rPr lang="en-US" altLang="zh-CN" sz="1800" dirty="0" smtClean="0"/>
-              <a:t>words</a:t>
+              <a:t>d). Using NLTK package to remove words</a:t>
             </a:r>
             <a:r>
               <a:rPr lang="zh-CN" altLang="en-US" sz="1800" dirty="0" smtClean="0"/>
@@ -6679,11 +6638,7 @@
             </a:r>
             <a:r>
               <a:rPr lang="en-US" altLang="zh-CN" sz="1800" dirty="0" smtClean="0"/>
-              <a:t>stop </a:t>
-            </a:r>
-            <a:r>
-              <a:rPr lang="en-US" altLang="zh-CN" sz="1800" dirty="0" smtClean="0"/>
-              <a:t>list and do Porter stemming</a:t>
+              <a:t>stop list and do Porter stemming</a:t>
             </a:r>
           </a:p>
           <a:p>
@@ -6736,7 +6691,6 @@
               <a:rPr lang="en-US" altLang="zh-CN" sz="1800" dirty="0" smtClean="0"/>
               <a:t>d).</a:t>
             </a:r>
-            <a:endParaRPr lang="en-US" altLang="zh-CN" sz="1800" dirty="0" smtClean="0"/>
           </a:p>
           <a:p>
             <a:endParaRPr lang="zh-CN" altLang="en-US" sz="1800" dirty="0"/>
@@ -7139,14 +7093,14 @@
           </a:ln>
           <a:extLst>
             <a:ext uri="{909E8E84-426E-40dd-AFC4-6F175D3DCCD1}">
-              <a14:hiddenFill xmlns:a14="http://schemas.microsoft.com/office/drawing/2010/main" xmlns="">
+              <a14:hiddenFill xmlns="" xmlns:a14="http://schemas.microsoft.com/office/drawing/2010/main">
                 <a:solidFill>
                   <a:srgbClr val="FFFFFF"/>
                 </a:solidFill>
               </a14:hiddenFill>
             </a:ext>
             <a:ext uri="{91240B29-F687-4f45-9708-019B960494DF}">
-              <a14:hiddenLine xmlns:a14="http://schemas.microsoft.com/office/drawing/2010/main" xmlns="" w="9525">
+              <a14:hiddenLine xmlns="" xmlns:a14="http://schemas.microsoft.com/office/drawing/2010/main" w="9525">
                 <a:solidFill>
                   <a:srgbClr val="000000"/>
                 </a:solidFill>
@@ -7194,31 +7148,15 @@
             </a:r>
             <a:r>
               <a:rPr lang="en-US" altLang="zh-CN" dirty="0" smtClean="0"/>
-              <a:t>Index</a:t>
+              <a:t>Index,</a:t>
+            </a:r>
+            <a:r>
+              <a:rPr lang="zh-CN" altLang="en-US" dirty="0" smtClean="0"/>
+              <a:t> </a:t>
             </a:r>
             <a:r>
               <a:rPr lang="en-US" altLang="zh-CN" dirty="0" smtClean="0"/>
-              <a:t>,</a:t>
-            </a:r>
-            <a:r>
-              <a:rPr lang="zh-CN" altLang="en-US" dirty="0" smtClean="0"/>
-              <a:t> </a:t>
-            </a:r>
-            <a:r>
-              <a:rPr lang="en-US" altLang="zh-CN" dirty="0" smtClean="0"/>
-              <a:t>Boolean </a:t>
-            </a:r>
-            <a:r>
-              <a:rPr lang="en-US" altLang="zh-CN" dirty="0" smtClean="0"/>
-              <a:t>Model </a:t>
-            </a:r>
-            <a:r>
-              <a:rPr lang="en-US" altLang="zh-CN" dirty="0" smtClean="0"/>
-              <a:t>and </a:t>
-            </a:r>
-            <a:r>
-              <a:rPr lang="en-US" altLang="zh-CN" dirty="0" smtClean="0"/>
-              <a:t>Vector Space Model</a:t>
+              <a:t>Boolean Model and Vector Space Model</a:t>
             </a:r>
             <a:endParaRPr lang="en-US" dirty="0"/>
           </a:p>
@@ -7247,11 +7185,7 @@
           <a:p>
             <a:r>
               <a:rPr lang="en-US" altLang="zh-CN" sz="1800" b="1" dirty="0" smtClean="0"/>
-              <a:t>4.1 </a:t>
-            </a:r>
-            <a:r>
-              <a:rPr lang="en-US" altLang="zh-CN" sz="1800" b="1" dirty="0" smtClean="0"/>
-              <a:t>Inverted</a:t>
+              <a:t>4.1 Inverted</a:t>
             </a:r>
             <a:r>
               <a:rPr lang="zh-CN" altLang="en-US" sz="1800" b="1" dirty="0" smtClean="0"/>
@@ -7275,21 +7209,13 @@
             </a:r>
             <a:r>
               <a:rPr lang="en-US" altLang="zh-CN" sz="1800" b="1" dirty="0" smtClean="0"/>
-              <a:t>Boolean </a:t>
-            </a:r>
-            <a:r>
-              <a:rPr lang="en-US" altLang="zh-CN" sz="1800" b="1" dirty="0" smtClean="0"/>
-              <a:t>model </a:t>
-            </a:r>
-          </a:p>
-          <a:p>
-            <a:r>
-              <a:rPr lang="en-US" altLang="zh-CN" sz="1800" dirty="0" smtClean="0"/>
-              <a:t>4.1.1 Build the inverted index: </a:t>
-            </a:r>
-            <a:r>
-              <a:rPr lang="en-US" altLang="zh-CN" sz="1800" dirty="0" smtClean="0"/>
-              <a:t>DF</a:t>
+              <a:t>Boolean model </a:t>
+            </a:r>
+          </a:p>
+          <a:p>
+            <a:r>
+              <a:rPr lang="en-US" altLang="zh-CN" sz="1800" dirty="0" smtClean="0"/>
+              <a:t>4.1.1 Build the inverted index: DF</a:t>
             </a:r>
             <a:r>
               <a:rPr lang="zh-CN" altLang="en-US" sz="1800" dirty="0" smtClean="0"/>
@@ -7297,15 +7223,7 @@
             </a:r>
             <a:r>
               <a:rPr lang="en-US" altLang="zh-CN" sz="1800" dirty="0" smtClean="0"/>
-              <a:t>dictionary </a:t>
-            </a:r>
-            <a:r>
-              <a:rPr lang="en-US" altLang="zh-CN" sz="1800" dirty="0" smtClean="0"/>
-              <a:t>and </a:t>
-            </a:r>
-            <a:r>
-              <a:rPr lang="en-US" altLang="zh-CN" sz="1800" dirty="0" smtClean="0"/>
-              <a:t>TF</a:t>
+              <a:t>dictionary and TF</a:t>
             </a:r>
             <a:r>
               <a:rPr lang="zh-CN" altLang="en-US" sz="1800" dirty="0" smtClean="0"/>
@@ -7315,16 +7233,11 @@
               <a:rPr lang="en-US" altLang="zh-CN" sz="1800" dirty="0" smtClean="0"/>
               <a:t>dictionary.</a:t>
             </a:r>
-            <a:endParaRPr lang="en-US" altLang="zh-CN" sz="1800" dirty="0" smtClean="0"/>
-          </a:p>
-          <a:p>
-            <a:r>
-              <a:rPr lang="en-US" altLang="zh-CN" sz="1800" dirty="0" smtClean="0"/>
-              <a:t>4.1.2 </a:t>
-            </a:r>
-            <a:r>
-              <a:rPr lang="en-US" altLang="zh-CN" sz="1800" dirty="0" smtClean="0"/>
-              <a:t>Build</a:t>
+          </a:p>
+          <a:p>
+            <a:r>
+              <a:rPr lang="en-US" altLang="zh-CN" sz="1800" dirty="0" smtClean="0"/>
+              <a:t>4.1.2 Build</a:t>
             </a:r>
             <a:r>
               <a:rPr lang="zh-CN" altLang="en-US" sz="1800" dirty="0" smtClean="0"/>
@@ -7356,11 +7269,7 @@
             </a:r>
             <a:r>
               <a:rPr lang="en-US" altLang="zh-CN" sz="1800" dirty="0" smtClean="0"/>
-              <a:t>which </a:t>
-            </a:r>
-            <a:r>
-              <a:rPr lang="en-US" altLang="zh-CN" sz="1800" dirty="0" smtClean="0"/>
-              <a:t>is used to select the candidate documents which contain at least one term in the query.</a:t>
+              <a:t>which is used to select the candidate documents which contain at least one term in the query.</a:t>
             </a:r>
           </a:p>
           <a:p>
@@ -7375,11 +7284,7 @@
           <a:p>
             <a:r>
               <a:rPr lang="en-US" altLang="zh-CN" sz="1800" dirty="0" smtClean="0"/>
-              <a:t>4.2.1 Build the TF-IDF </a:t>
-            </a:r>
-            <a:r>
-              <a:rPr lang="en-US" altLang="zh-CN" sz="1800" dirty="0" smtClean="0"/>
-              <a:t>table</a:t>
+              <a:t>4.2.1 Build the TF-IDF table</a:t>
             </a:r>
             <a:r>
               <a:rPr lang="zh-CN" altLang="en-US" sz="1800" dirty="0" smtClean="0"/>
@@ -7445,7 +7350,6 @@
               <a:rPr lang="en-US" altLang="zh-CN" sz="1800" dirty="0" smtClean="0"/>
               <a:t>step.</a:t>
             </a:r>
-            <a:endParaRPr lang="en-US" altLang="zh-CN" sz="1800" dirty="0" smtClean="0"/>
           </a:p>
           <a:p>
             <a:r>
@@ -7730,14 +7634,14 @@
           </a:ln>
           <a:extLst>
             <a:ext uri="{909E8E84-426E-40dd-AFC4-6F175D3DCCD1}">
-              <a14:hiddenFill xmlns:a14="http://schemas.microsoft.com/office/drawing/2010/main" xmlns="">
+              <a14:hiddenFill xmlns="" xmlns:a14="http://schemas.microsoft.com/office/drawing/2010/main">
                 <a:solidFill>
                   <a:srgbClr val="FFFFFF"/>
                 </a:solidFill>
               </a14:hiddenFill>
             </a:ext>
             <a:ext uri="{91240B29-F687-4f45-9708-019B960494DF}">
-              <a14:hiddenLine xmlns:a14="http://schemas.microsoft.com/office/drawing/2010/main" xmlns="" w="9525">
+              <a14:hiddenLine xmlns="" xmlns:a14="http://schemas.microsoft.com/office/drawing/2010/main" w="9525">
                 <a:solidFill>
                   <a:srgbClr val="000000"/>
                 </a:solidFill>
@@ -7824,11 +7728,7 @@
           <a:p>
             <a:r>
               <a:rPr lang="en-US" altLang="zh-CN" sz="1800" dirty="0" smtClean="0"/>
-              <a:t>5.1 </a:t>
-            </a:r>
-            <a:r>
-              <a:rPr lang="en-US" altLang="zh-CN" sz="1800" dirty="0" smtClean="0"/>
-              <a:t>Words</a:t>
+              <a:t>5.1 Words</a:t>
             </a:r>
             <a:r>
               <a:rPr lang="zh-CN" altLang="en-US" sz="1800" dirty="0" smtClean="0"/>
@@ -8063,11 +7963,7 @@
           <a:p>
             <a:r>
               <a:rPr lang="zh-CN" altLang="en-US" sz="1800" dirty="0"/>
-              <a:t>	</a:t>
-            </a:r>
-            <a:r>
-              <a:rPr lang="zh-CN" altLang="en-US" sz="1800" dirty="0"/>
-              <a:t> </a:t>
+              <a:t>	 </a:t>
             </a:r>
             <a:r>
               <a:rPr lang="en-US" altLang="zh-CN" sz="1800" dirty="0" smtClean="0"/>
@@ -8446,14 +8342,14 @@
           </a:ln>
           <a:extLst>
             <a:ext uri="{909E8E84-426E-40dd-AFC4-6F175D3DCCD1}">
-              <a14:hiddenFill xmlns:a14="http://schemas.microsoft.com/office/drawing/2010/main" xmlns="">
+              <a14:hiddenFill xmlns="" xmlns:a14="http://schemas.microsoft.com/office/drawing/2010/main">
                 <a:solidFill>
                   <a:srgbClr val="FFFFFF"/>
                 </a:solidFill>
               </a14:hiddenFill>
             </a:ext>
             <a:ext uri="{91240B29-F687-4f45-9708-019B960494DF}">
-              <a14:hiddenLine xmlns:a14="http://schemas.microsoft.com/office/drawing/2010/main" xmlns="" w="9525">
+              <a14:hiddenLine xmlns="" xmlns:a14="http://schemas.microsoft.com/office/drawing/2010/main" w="9525">
                 <a:solidFill>
                   <a:srgbClr val="000000"/>
                 </a:solidFill>
@@ -8493,11 +8389,7 @@
             </a:r>
             <a:r>
               <a:rPr lang="en-US" dirty="0" smtClean="0"/>
-              <a:t>. </a:t>
-            </a:r>
-            <a:r>
-              <a:rPr lang="en-US" dirty="0" smtClean="0"/>
-              <a:t>Term Proximity</a:t>
+              <a:t>. Term Proximity</a:t>
             </a:r>
             <a:endParaRPr lang="en-US" dirty="0"/>
           </a:p>
@@ -8639,11 +8531,7 @@
           <a:p>
             <a:r>
               <a:rPr lang="en-US" altLang="zh-CN" sz="1800" dirty="0" smtClean="0"/>
-              <a:t>6.2 </a:t>
-            </a:r>
-            <a:r>
-              <a:rPr lang="en-US" altLang="zh-CN" sz="1800" dirty="0" smtClean="0"/>
-              <a:t>Smallest window algorithm </a:t>
+              <a:t>6.2 Smallest window algorithm </a:t>
             </a:r>
           </a:p>
           <a:p>
@@ -9104,14 +8992,14 @@
           </a:ln>
           <a:extLst>
             <a:ext uri="{909E8E84-426E-40dd-AFC4-6F175D3DCCD1}">
-              <a14:hiddenFill xmlns:a14="http://schemas.microsoft.com/office/drawing/2010/main" xmlns="">
+              <a14:hiddenFill xmlns="" xmlns:a14="http://schemas.microsoft.com/office/drawing/2010/main">
                 <a:solidFill>
                   <a:srgbClr val="FFFFFF"/>
                 </a:solidFill>
               </a14:hiddenFill>
             </a:ext>
             <a:ext uri="{91240B29-F687-4f45-9708-019B960494DF}">
-              <a14:hiddenLine xmlns:a14="http://schemas.microsoft.com/office/drawing/2010/main" xmlns="" w="9525">
+              <a14:hiddenLine xmlns="" xmlns:a14="http://schemas.microsoft.com/office/drawing/2010/main" w="9525">
                 <a:solidFill>
                   <a:srgbClr val="000000"/>
                 </a:solidFill>
@@ -9151,11 +9039,7 @@
             </a:r>
             <a:r>
               <a:rPr lang="en-US" dirty="0" smtClean="0"/>
-              <a:t>. </a:t>
-            </a:r>
-            <a:r>
-              <a:rPr lang="en-US" dirty="0" smtClean="0"/>
-              <a:t>Relevance Feedback</a:t>
+              <a:t>. Relevance Feedback</a:t>
             </a:r>
             <a:endParaRPr lang="en-US" dirty="0"/>
           </a:p>
@@ -9184,11 +9068,7 @@
           <a:p>
             <a:r>
               <a:rPr lang="en-US" altLang="zh-CN" sz="1800" dirty="0" smtClean="0"/>
-              <a:t>7.1 </a:t>
-            </a:r>
-            <a:r>
-              <a:rPr lang="en-US" altLang="zh-CN" sz="1800" dirty="0" smtClean="0"/>
-              <a:t>The </a:t>
+              <a:t>7.1 The </a:t>
             </a:r>
             <a:r>
               <a:rPr lang="en-US" altLang="zh-CN" sz="1800" dirty="0" err="1" smtClean="0"/>
@@ -9229,11 +9109,7 @@
           <a:p>
             <a:r>
               <a:rPr lang="en-US" altLang="zh-CN" sz="1800" dirty="0" smtClean="0"/>
-              <a:t>7.2 </a:t>
-            </a:r>
-            <a:r>
-              <a:rPr lang="en-US" altLang="zh-CN" sz="1800" dirty="0" smtClean="0"/>
-              <a:t>Search engine 3 is implemented by adding the relevance feedback</a:t>
+              <a:t>7.2 Search engine 3 is implemented by adding the relevance feedback</a:t>
             </a:r>
             <a:r>
               <a:rPr lang="zh-CN" altLang="en-US" sz="1800" dirty="0" smtClean="0"/>
